--- a/cv/CV_RWARREN_PPT2.pptx
+++ b/cv/CV_RWARREN_PPT2.pptx
@@ -3176,11 +3176,7 @@
           <a:p>
             <a:r>
               <a:rPr lang="en-US" sz="1100" dirty="0" smtClean="0"/>
-              <a:t>2015, 16     </a:t>
-            </a:r>
-            <a:r>
-              <a:rPr lang="en-US" sz="1100" dirty="0" smtClean="0"/>
-              <a:t>         </a:t>
+              <a:t>2015, 16              </a:t>
             </a:r>
             <a:r>
               <a:rPr lang="en-US" sz="1100" b="1" dirty="0" smtClean="0"/>
@@ -3229,11 +3225,7 @@
           <a:p>
             <a:r>
               <a:rPr lang="en-US" sz="1100" dirty="0" smtClean="0"/>
-              <a:t>2009      </a:t>
-            </a:r>
-            <a:r>
-              <a:rPr lang="en-US" sz="1100" dirty="0" smtClean="0"/>
-              <a:t>   </a:t>
+              <a:t>2009         </a:t>
             </a:r>
             <a:r>
               <a:rPr lang="en-US" sz="1100" i="1" dirty="0" smtClean="0"/>
@@ -3253,15 +3245,7 @@
             </a:r>
             <a:r>
               <a:rPr lang="en-US" sz="1100" dirty="0" smtClean="0"/>
-              <a:t> next-</a:t>
-            </a:r>
-            <a:r>
-              <a:rPr lang="en-US" sz="1100" dirty="0" smtClean="0"/>
-              <a:t>gen. </a:t>
-            </a:r>
-            <a:r>
-              <a:rPr lang="en-US" sz="1100" dirty="0" smtClean="0"/>
-              <a:t>seq.</a:t>
+              <a:t> next-gen. seq.</a:t>
             </a:r>
           </a:p>
           <a:p>
@@ -3311,11 +3295,7 @@
             </a:r>
             <a:r>
               <a:rPr lang="en-US" sz="1100" dirty="0" smtClean="0"/>
-              <a:t> </a:t>
-            </a:r>
-            <a:r>
-              <a:rPr lang="en-US" sz="1100" dirty="0" smtClean="0"/>
-              <a:t>BSc FRSQ bursary</a:t>
+              <a:t> BSc FRSQ bursary</a:t>
             </a:r>
           </a:p>
           <a:p>
@@ -4566,7 +4546,7 @@
         </p:nvCxnSpPr>
         <p:spPr>
           <a:xfrm>
-            <a:off x="3258447" y="3990541"/>
+            <a:off x="3258447" y="4015939"/>
             <a:ext cx="190500" cy="0"/>
           </a:xfrm>
           <a:prstGeom prst="line">
@@ -4602,7 +4582,7 @@
         </p:nvSpPr>
         <p:spPr>
           <a:xfrm rot="16200000">
-            <a:off x="2839144" y="3402097"/>
+            <a:off x="2839144" y="3427495"/>
             <a:ext cx="1013544" cy="276999"/>
           </a:xfrm>
           <a:prstGeom prst="rect">
@@ -4632,7 +4612,7 @@
         </p:nvCxnSpPr>
         <p:spPr>
           <a:xfrm>
-            <a:off x="3258447" y="5112355"/>
+            <a:off x="3258447" y="5133520"/>
             <a:ext cx="190500" cy="0"/>
           </a:xfrm>
           <a:prstGeom prst="line">
@@ -4668,7 +4648,7 @@
         </p:nvSpPr>
         <p:spPr>
           <a:xfrm rot="16200000">
-            <a:off x="2918040" y="4591159"/>
+            <a:off x="2918040" y="4612324"/>
             <a:ext cx="855748" cy="276999"/>
           </a:xfrm>
           <a:prstGeom prst="rect">
@@ -4896,7 +4876,7 @@
         </p:nvCxnSpPr>
         <p:spPr>
           <a:xfrm>
-            <a:off x="3258447" y="6246655"/>
+            <a:off x="3258447" y="6263587"/>
             <a:ext cx="190500" cy="0"/>
           </a:xfrm>
           <a:prstGeom prst="line">
@@ -4932,7 +4912,7 @@
         </p:nvSpPr>
         <p:spPr>
           <a:xfrm rot="16200000">
-            <a:off x="2918040" y="5725992"/>
+            <a:off x="2918040" y="5742924"/>
             <a:ext cx="855748" cy="276999"/>
           </a:xfrm>
           <a:prstGeom prst="rect">
@@ -5027,11 +5007,7 @@
           <a:p>
             <a:r>
               <a:rPr lang="de-DE" sz="900" dirty="0" smtClean="0"/>
-              <a:t>  </a:t>
-            </a:r>
-            <a:r>
-              <a:rPr lang="de-DE" sz="900" dirty="0" smtClean="0"/>
-              <a:t>IT Skills</a:t>
+              <a:t>  IT Skills</a:t>
             </a:r>
             <a:r>
               <a:rPr lang="de-DE" sz="900" dirty="0"/>
@@ -5083,15 +5059,7 @@
             </a:r>
             <a:r>
               <a:rPr lang="de-DE" sz="900" dirty="0" smtClean="0"/>
-              <a:t>   </a:t>
-            </a:r>
-            <a:r>
-              <a:rPr lang="de-DE" sz="900" dirty="0" smtClean="0"/>
-              <a:t> Projects</a:t>
-            </a:r>
-            <a:r>
-              <a:rPr lang="de-DE" sz="900" dirty="0" smtClean="0"/>
-              <a:t>: SAM, SSAKE</a:t>
+              <a:t>    Projects: SAM, SSAKE</a:t>
             </a:r>
             <a:r>
               <a:rPr lang="de-DE" sz="900" dirty="0"/>

--- a/cv/CV_RWARREN_PPT2.pptx
+++ b/cv/CV_RWARREN_PPT2.pptx
@@ -3323,7 +3323,15 @@
           <a:p>
             <a:r>
               <a:rPr lang="en-US" sz="1100" dirty="0" smtClean="0"/>
-              <a:t>1995   Worked at </a:t>
+              <a:t>1995  </a:t>
+            </a:r>
+            <a:r>
+              <a:rPr lang="en-US" sz="1100" b="1" dirty="0" smtClean="0"/>
+              <a:t>Worked</a:t>
+            </a:r>
+            <a:r>
+              <a:rPr lang="en-US" sz="1100" dirty="0" smtClean="0"/>
+              <a:t> at </a:t>
             </a:r>
             <a:r>
               <a:rPr lang="en-US" sz="1100" b="1" dirty="0" smtClean="0"/>

--- a/cv/CV_RWARREN_PPT2.pptx
+++ b/cv/CV_RWARREN_PPT2.pptx
@@ -288,7 +288,7 @@
           <a:p>
             <a:fld id="{12CDA68D-1A1F-6346-A281-652CBF222AD7}" type="datetimeFigureOut">
               <a:rPr lang="en-US" smtClean="0"/>
-              <a:t>19-05-26</a:t>
+              <a:t>19-05-28</a:t>
             </a:fld>
             <a:endParaRPr lang="en-US"/>
           </a:p>
@@ -458,7 +458,7 @@
           <a:p>
             <a:fld id="{12CDA68D-1A1F-6346-A281-652CBF222AD7}" type="datetimeFigureOut">
               <a:rPr lang="en-US" smtClean="0"/>
-              <a:t>19-05-26</a:t>
+              <a:t>19-05-28</a:t>
             </a:fld>
             <a:endParaRPr lang="en-US"/>
           </a:p>
@@ -638,7 +638,7 @@
           <a:p>
             <a:fld id="{12CDA68D-1A1F-6346-A281-652CBF222AD7}" type="datetimeFigureOut">
               <a:rPr lang="en-US" smtClean="0"/>
-              <a:t>19-05-26</a:t>
+              <a:t>19-05-28</a:t>
             </a:fld>
             <a:endParaRPr lang="en-US"/>
           </a:p>
@@ -808,7 +808,7 @@
           <a:p>
             <a:fld id="{12CDA68D-1A1F-6346-A281-652CBF222AD7}" type="datetimeFigureOut">
               <a:rPr lang="en-US" smtClean="0"/>
-              <a:t>19-05-26</a:t>
+              <a:t>19-05-28</a:t>
             </a:fld>
             <a:endParaRPr lang="en-US"/>
           </a:p>
@@ -1054,7 +1054,7 @@
           <a:p>
             <a:fld id="{12CDA68D-1A1F-6346-A281-652CBF222AD7}" type="datetimeFigureOut">
               <a:rPr lang="en-US" smtClean="0"/>
-              <a:t>19-05-26</a:t>
+              <a:t>19-05-28</a:t>
             </a:fld>
             <a:endParaRPr lang="en-US"/>
           </a:p>
@@ -1342,7 +1342,7 @@
           <a:p>
             <a:fld id="{12CDA68D-1A1F-6346-A281-652CBF222AD7}" type="datetimeFigureOut">
               <a:rPr lang="en-US" smtClean="0"/>
-              <a:t>19-05-26</a:t>
+              <a:t>19-05-28</a:t>
             </a:fld>
             <a:endParaRPr lang="en-US"/>
           </a:p>
@@ -1769,7 +1769,7 @@
           <a:p>
             <a:fld id="{12CDA68D-1A1F-6346-A281-652CBF222AD7}" type="datetimeFigureOut">
               <a:rPr lang="en-US" smtClean="0"/>
-              <a:t>19-05-26</a:t>
+              <a:t>19-05-28</a:t>
             </a:fld>
             <a:endParaRPr lang="en-US"/>
           </a:p>
@@ -1887,7 +1887,7 @@
           <a:p>
             <a:fld id="{12CDA68D-1A1F-6346-A281-652CBF222AD7}" type="datetimeFigureOut">
               <a:rPr lang="en-US" smtClean="0"/>
-              <a:t>19-05-26</a:t>
+              <a:t>19-05-28</a:t>
             </a:fld>
             <a:endParaRPr lang="en-US"/>
           </a:p>
@@ -1982,7 +1982,7 @@
           <a:p>
             <a:fld id="{12CDA68D-1A1F-6346-A281-652CBF222AD7}" type="datetimeFigureOut">
               <a:rPr lang="en-US" smtClean="0"/>
-              <a:t>19-05-26</a:t>
+              <a:t>19-05-28</a:t>
             </a:fld>
             <a:endParaRPr lang="en-US"/>
           </a:p>
@@ -2259,7 +2259,7 @@
           <a:p>
             <a:fld id="{12CDA68D-1A1F-6346-A281-652CBF222AD7}" type="datetimeFigureOut">
               <a:rPr lang="en-US" smtClean="0"/>
-              <a:t>19-05-26</a:t>
+              <a:t>19-05-28</a:t>
             </a:fld>
             <a:endParaRPr lang="en-US"/>
           </a:p>
@@ -2512,7 +2512,7 @@
           <a:p>
             <a:fld id="{12CDA68D-1A1F-6346-A281-652CBF222AD7}" type="datetimeFigureOut">
               <a:rPr lang="en-US" smtClean="0"/>
-              <a:t>19-05-26</a:t>
+              <a:t>19-05-28</a:t>
             </a:fld>
             <a:endParaRPr lang="en-US"/>
           </a:p>
@@ -2725,7 +2725,7 @@
           <a:p>
             <a:fld id="{12CDA68D-1A1F-6346-A281-652CBF222AD7}" type="datetimeFigureOut">
               <a:rPr lang="en-US" smtClean="0"/>
-              <a:t>19-05-26</a:t>
+              <a:t>19-05-28</a:t>
             </a:fld>
             <a:endParaRPr lang="en-US"/>
           </a:p>
@@ -3421,12 +3421,33 @@
             </a:r>
             <a:r>
               <a:rPr lang="en-US" sz="1100" b="1" dirty="0" smtClean="0"/>
-              <a:t>Pacific Symposium Biocomputing</a:t>
+              <a:t>Pac. </a:t>
+            </a:r>
+            <a:r>
+              <a:rPr lang="en-US" sz="1100" b="1" dirty="0" err="1" smtClean="0"/>
+              <a:t>Symp</a:t>
+            </a:r>
+            <a:r>
+              <a:rPr lang="en-US" sz="1100" b="1" dirty="0" smtClean="0"/>
+              <a:t>. </a:t>
+            </a:r>
+            <a:r>
+              <a:rPr lang="en-US" sz="1100" b="1" dirty="0" smtClean="0"/>
+              <a:t>Biocomputing</a:t>
             </a:r>
             <a:r>
               <a:rPr lang="en-US" sz="1100" dirty="0" smtClean="0"/>
-              <a:t>, Hawaii</a:t>
-            </a:r>
+              <a:t>, </a:t>
+            </a:r>
+            <a:r>
+              <a:rPr lang="en-US" sz="1100" dirty="0" smtClean="0"/>
+              <a:t>Hawaii </a:t>
+            </a:r>
+            <a:r>
+              <a:rPr lang="en-US" sz="1100" b="1" dirty="0" smtClean="0"/>
+              <a:t>posters</a:t>
+            </a:r>
+            <a:endParaRPr lang="en-US" sz="1100" b="1" dirty="0" smtClean="0"/>
           </a:p>
           <a:p>
             <a:r>
@@ -5015,7 +5036,11 @@
           <a:p>
             <a:r>
               <a:rPr lang="de-DE" sz="900" dirty="0" smtClean="0"/>
-              <a:t>  IT Skills</a:t>
+              <a:t>  </a:t>
+            </a:r>
+            <a:r>
+              <a:rPr lang="de-DE" sz="900" b="1" dirty="0" smtClean="0"/>
+              <a:t>IT Skills</a:t>
             </a:r>
             <a:r>
               <a:rPr lang="de-DE" sz="900" dirty="0"/>
@@ -5066,8 +5091,16 @@
               <a:t>Git</a:t>
             </a:r>
             <a:r>
+              <a:rPr lang="de-DE" sz="900" smtClean="0"/>
+              <a:t>   </a:t>
+            </a:r>
+            <a:r>
+              <a:rPr lang="de-DE" sz="900" b="1" smtClean="0"/>
+              <a:t>Projects</a:t>
+            </a:r>
+            <a:r>
               <a:rPr lang="de-DE" sz="900" dirty="0" smtClean="0"/>
-              <a:t>    Projects: SAM, SSAKE</a:t>
+              <a:t>: SAM, SSAKE</a:t>
             </a:r>
             <a:r>
               <a:rPr lang="de-DE" sz="900" dirty="0"/>

--- a/cv/CV_RWARREN_PPT2.pptx
+++ b/cv/CV_RWARREN_PPT2.pptx
@@ -3429,25 +3429,16 @@
             </a:r>
             <a:r>
               <a:rPr lang="en-US" sz="1100" b="1" dirty="0" smtClean="0"/>
-              <a:t>. </a:t>
-            </a:r>
-            <a:r>
-              <a:rPr lang="en-US" sz="1100" b="1" dirty="0" smtClean="0"/>
-              <a:t>Biocomputing</a:t>
+              <a:t>. Biocomputing</a:t>
             </a:r>
             <a:r>
               <a:rPr lang="en-US" sz="1100" dirty="0" smtClean="0"/>
-              <a:t>, </a:t>
-            </a:r>
-            <a:r>
-              <a:rPr lang="en-US" sz="1100" dirty="0" smtClean="0"/>
-              <a:t>Hawaii </a:t>
+              <a:t>, Hawaii </a:t>
             </a:r>
             <a:r>
               <a:rPr lang="en-US" sz="1100" b="1" dirty="0" smtClean="0"/>
               <a:t>posters</a:t>
             </a:r>
-            <a:endParaRPr lang="en-US" sz="1100" b="1" dirty="0" smtClean="0"/>
           </a:p>
           <a:p>
             <a:r>
@@ -4168,7 +4159,7 @@
         <p:spPr>
           <a:xfrm>
             <a:off x="12700" y="2607735"/>
-            <a:ext cx="3471333" cy="6186309"/>
+            <a:ext cx="3471333" cy="6340197"/>
           </a:xfrm>
           <a:prstGeom prst="rect">
             <a:avLst/>
@@ -4452,15 +4443,7 @@
             </a:r>
             <a:r>
               <a:rPr lang="en-US" sz="1200" dirty="0" smtClean="0"/>
-              <a:t>Comp. </a:t>
-            </a:r>
-            <a:r>
-              <a:rPr lang="en-US" sz="1200" dirty="0"/>
-              <a:t>Science	</a:t>
-            </a:r>
-            <a:r>
-              <a:rPr lang="en-US" sz="1200" dirty="0" smtClean="0"/>
-              <a:t>          </a:t>
+              <a:t>Computer Science     </a:t>
             </a:r>
             <a:r>
               <a:rPr lang="en-US" sz="1200" b="1" dirty="0" smtClean="0"/>
@@ -4493,11 +4476,19 @@
             </a:r>
             <a:r>
               <a:rPr lang="en-US" sz="1200" dirty="0" smtClean="0"/>
-              <a:t>Biology     </a:t>
+              <a:t>Biology   </a:t>
+            </a:r>
+            <a:r>
+              <a:rPr lang="en-US" sz="1200" dirty="0" smtClean="0"/>
+              <a:t>   </a:t>
             </a:r>
             <a:r>
               <a:rPr lang="en-US" sz="1200" b="1" dirty="0" smtClean="0"/>
-              <a:t> |</a:t>
+              <a:t> </a:t>
+            </a:r>
+            <a:r>
+              <a:rPr lang="en-US" sz="1200" b="1" dirty="0" smtClean="0"/>
+              <a:t>|</a:t>
             </a:r>
             <a:r>
               <a:rPr lang="en-US" sz="1200" dirty="0" smtClean="0"/>
@@ -4520,11 +4511,11 @@
           </a:p>
           <a:p>
             <a:r>
-              <a:rPr lang="en-US" sz="1600" b="1" dirty="0"/>
-              <a:t>BSc</a:t>
-            </a:r>
-            <a:r>
-              <a:rPr lang="en-US" sz="1200" b="1" dirty="0"/>
+              <a:rPr lang="en-US" sz="1600" b="1" dirty="0" smtClean="0"/>
+              <a:t>BSc  </a:t>
+            </a:r>
+            <a:r>
+              <a:rPr lang="en-US" sz="1200" b="1" dirty="0" smtClean="0"/>
               <a:t> </a:t>
             </a:r>
             <a:r>
@@ -4533,15 +4524,23 @@
             </a:r>
             <a:r>
               <a:rPr lang="en-US" sz="1200" b="1" dirty="0" smtClean="0"/>
-              <a:t> (</a:t>
+              <a:t> </a:t>
+            </a:r>
+            <a:r>
+              <a:rPr lang="en-US" sz="1200" i="1" dirty="0" smtClean="0"/>
+              <a:t>(</a:t>
             </a:r>
             <a:r>
               <a:rPr lang="en-US" sz="1200" i="1" dirty="0" err="1" smtClean="0"/>
               <a:t>Honours</a:t>
             </a:r>
             <a:r>
-              <a:rPr lang="en-US" sz="1200" dirty="0" smtClean="0"/>
-              <a:t>)       </a:t>
+              <a:rPr lang="en-US" sz="1200" i="1" dirty="0" smtClean="0"/>
+              <a:t>)    </a:t>
+            </a:r>
+            <a:r>
+              <a:rPr lang="en-US" sz="1200" i="1" dirty="0" smtClean="0"/>
+              <a:t> </a:t>
             </a:r>
             <a:r>
               <a:rPr lang="en-US" sz="1200" b="1" dirty="0" smtClean="0"/>
@@ -4773,7 +4772,7 @@
         </p:nvCxnSpPr>
         <p:spPr>
           <a:xfrm>
-            <a:off x="3258447" y="7844073"/>
+            <a:off x="3258447" y="7831374"/>
             <a:ext cx="190500" cy="0"/>
           </a:xfrm>
           <a:prstGeom prst="line">
@@ -5044,89 +5043,101 @@
             </a:r>
             <a:r>
               <a:rPr lang="de-DE" sz="900" dirty="0"/>
-              <a:t>: Python, PERL, R, MySQL, HTML/</a:t>
-            </a:r>
-            <a:r>
-              <a:rPr lang="de-DE" sz="900" dirty="0" err="1"/>
+              <a:t>: </a:t>
+            </a:r>
+            <a:r>
+              <a:rPr lang="de-DE" sz="900" i="1" dirty="0"/>
+              <a:t>Python, PERL, R, MySQL, HTML/</a:t>
+            </a:r>
+            <a:r>
+              <a:rPr lang="de-DE" sz="900" i="1" dirty="0" err="1"/>
               <a:t>js</a:t>
             </a:r>
             <a:r>
-              <a:rPr lang="de-DE" sz="900" dirty="0"/>
+              <a:rPr lang="de-DE" sz="900" i="1" dirty="0"/>
               <a:t>, </a:t>
             </a:r>
             <a:r>
-              <a:rPr lang="de-DE" sz="900" dirty="0" err="1"/>
+              <a:rPr lang="de-DE" sz="900" i="1" dirty="0" err="1"/>
               <a:t>unix</a:t>
             </a:r>
             <a:r>
-              <a:rPr lang="de-DE" sz="900" dirty="0"/>
+              <a:rPr lang="de-DE" sz="900" i="1" dirty="0"/>
               <a:t>/</a:t>
             </a:r>
             <a:r>
-              <a:rPr lang="de-DE" sz="900" dirty="0" err="1"/>
+              <a:rPr lang="de-DE" sz="900" i="1" dirty="0" err="1"/>
               <a:t>mac</a:t>
             </a:r>
             <a:r>
-              <a:rPr lang="de-DE" sz="900" dirty="0"/>
+              <a:rPr lang="de-DE" sz="900" i="1" dirty="0"/>
               <a:t>/</a:t>
             </a:r>
             <a:r>
-              <a:rPr lang="de-DE" sz="900" dirty="0" err="1"/>
+              <a:rPr lang="de-DE" sz="900" i="1" dirty="0" err="1"/>
               <a:t>win</a:t>
             </a:r>
             <a:r>
-              <a:rPr lang="de-DE" sz="900" dirty="0"/>
+              <a:rPr lang="de-DE" sz="900" i="1" dirty="0"/>
               <a:t>, </a:t>
             </a:r>
             <a:r>
-              <a:rPr lang="de-DE" sz="900" dirty="0" err="1" smtClean="0"/>
-              <a:t>MSOffice</a:t>
-            </a:r>
-            <a:r>
-              <a:rPr lang="de-DE" sz="900" dirty="0"/>
+              <a:rPr lang="de-DE" sz="900" i="1" dirty="0" err="1" smtClean="0"/>
+              <a:t>MSoffice</a:t>
+            </a:r>
+            <a:r>
+              <a:rPr lang="de-DE" sz="900" i="1" dirty="0"/>
               <a:t>, </a:t>
             </a:r>
             <a:r>
-              <a:rPr lang="de-DE" sz="900" dirty="0" err="1" smtClean="0"/>
+              <a:rPr lang="de-DE" sz="900" i="1" dirty="0" err="1" smtClean="0"/>
               <a:t>Git</a:t>
             </a:r>
             <a:r>
-              <a:rPr lang="de-DE" sz="900" smtClean="0"/>
+              <a:rPr lang="de-DE" sz="900" i="1" dirty="0" smtClean="0"/>
+              <a:t> </a:t>
+            </a:r>
+            <a:r>
+              <a:rPr lang="de-DE" sz="900" i="1" dirty="0" smtClean="0"/>
               <a:t>   </a:t>
             </a:r>
             <a:r>
-              <a:rPr lang="de-DE" sz="900" b="1" smtClean="0"/>
+              <a:rPr lang="de-DE" sz="900" b="1" dirty="0" smtClean="0"/>
               <a:t>Projects</a:t>
             </a:r>
             <a:r>
               <a:rPr lang="de-DE" sz="900" dirty="0" smtClean="0"/>
-              <a:t>: SAM, SSAKE</a:t>
-            </a:r>
-            <a:r>
-              <a:rPr lang="de-DE" sz="900" dirty="0"/>
+              <a:t>: </a:t>
+            </a:r>
+            <a:r>
+              <a:rPr lang="de-DE" sz="900" i="1" dirty="0" smtClean="0"/>
+              <a:t>SAM, SSAKE</a:t>
+            </a:r>
+            <a:r>
+              <a:rPr lang="de-DE" sz="900" i="1" dirty="0"/>
               <a:t>, TASR, </a:t>
             </a:r>
             <a:r>
-              <a:rPr lang="de-DE" sz="900" dirty="0" err="1"/>
+              <a:rPr lang="de-DE" sz="900" i="1" dirty="0" err="1"/>
               <a:t>HLAminer</a:t>
             </a:r>
             <a:r>
-              <a:rPr lang="de-DE" sz="900" dirty="0"/>
+              <a:rPr lang="de-DE" sz="900" i="1" dirty="0"/>
               <a:t>, LINKS, </a:t>
             </a:r>
             <a:r>
-              <a:rPr lang="de-DE" sz="900" dirty="0" smtClean="0"/>
+              <a:rPr lang="de-DE" sz="900" i="1" dirty="0" smtClean="0"/>
               <a:t>XMV, RAILS</a:t>
             </a:r>
             <a:r>
-              <a:rPr lang="de-DE" sz="900" dirty="0"/>
+              <a:rPr lang="de-DE" sz="900" i="1" dirty="0"/>
               <a:t>, ARCS, </a:t>
             </a:r>
             <a:r>
-              <a:rPr lang="de-DE" sz="900" dirty="0" err="1"/>
+              <a:rPr lang="de-DE" sz="900" i="1" dirty="0" err="1"/>
               <a:t>ntEdit</a:t>
             </a:r>
-            <a:endParaRPr lang="en-US" sz="900" dirty="0"/>
+            <a:endParaRPr lang="en-US" sz="900" i="1" dirty="0"/>
           </a:p>
         </p:txBody>
       </p:sp>

--- a/cv/CV_RWARREN_PPT2.pptx
+++ b/cv/CV_RWARREN_PPT2.pptx
@@ -288,7 +288,7 @@
           <a:p>
             <a:fld id="{12CDA68D-1A1F-6346-A281-652CBF222AD7}" type="datetimeFigureOut">
               <a:rPr lang="en-US" smtClean="0"/>
-              <a:t>19-05-28</a:t>
+              <a:t>19-05-30</a:t>
             </a:fld>
             <a:endParaRPr lang="en-US"/>
           </a:p>
@@ -458,7 +458,7 @@
           <a:p>
             <a:fld id="{12CDA68D-1A1F-6346-A281-652CBF222AD7}" type="datetimeFigureOut">
               <a:rPr lang="en-US" smtClean="0"/>
-              <a:t>19-05-28</a:t>
+              <a:t>19-05-30</a:t>
             </a:fld>
             <a:endParaRPr lang="en-US"/>
           </a:p>
@@ -638,7 +638,7 @@
           <a:p>
             <a:fld id="{12CDA68D-1A1F-6346-A281-652CBF222AD7}" type="datetimeFigureOut">
               <a:rPr lang="en-US" smtClean="0"/>
-              <a:t>19-05-28</a:t>
+              <a:t>19-05-30</a:t>
             </a:fld>
             <a:endParaRPr lang="en-US"/>
           </a:p>
@@ -808,7 +808,7 @@
           <a:p>
             <a:fld id="{12CDA68D-1A1F-6346-A281-652CBF222AD7}" type="datetimeFigureOut">
               <a:rPr lang="en-US" smtClean="0"/>
-              <a:t>19-05-28</a:t>
+              <a:t>19-05-30</a:t>
             </a:fld>
             <a:endParaRPr lang="en-US"/>
           </a:p>
@@ -1054,7 +1054,7 @@
           <a:p>
             <a:fld id="{12CDA68D-1A1F-6346-A281-652CBF222AD7}" type="datetimeFigureOut">
               <a:rPr lang="en-US" smtClean="0"/>
-              <a:t>19-05-28</a:t>
+              <a:t>19-05-30</a:t>
             </a:fld>
             <a:endParaRPr lang="en-US"/>
           </a:p>
@@ -1342,7 +1342,7 @@
           <a:p>
             <a:fld id="{12CDA68D-1A1F-6346-A281-652CBF222AD7}" type="datetimeFigureOut">
               <a:rPr lang="en-US" smtClean="0"/>
-              <a:t>19-05-28</a:t>
+              <a:t>19-05-30</a:t>
             </a:fld>
             <a:endParaRPr lang="en-US"/>
           </a:p>
@@ -1769,7 +1769,7 @@
           <a:p>
             <a:fld id="{12CDA68D-1A1F-6346-A281-652CBF222AD7}" type="datetimeFigureOut">
               <a:rPr lang="en-US" smtClean="0"/>
-              <a:t>19-05-28</a:t>
+              <a:t>19-05-30</a:t>
             </a:fld>
             <a:endParaRPr lang="en-US"/>
           </a:p>
@@ -1887,7 +1887,7 @@
           <a:p>
             <a:fld id="{12CDA68D-1A1F-6346-A281-652CBF222AD7}" type="datetimeFigureOut">
               <a:rPr lang="en-US" smtClean="0"/>
-              <a:t>19-05-28</a:t>
+              <a:t>19-05-30</a:t>
             </a:fld>
             <a:endParaRPr lang="en-US"/>
           </a:p>
@@ -1982,7 +1982,7 @@
           <a:p>
             <a:fld id="{12CDA68D-1A1F-6346-A281-652CBF222AD7}" type="datetimeFigureOut">
               <a:rPr lang="en-US" smtClean="0"/>
-              <a:t>19-05-28</a:t>
+              <a:t>19-05-30</a:t>
             </a:fld>
             <a:endParaRPr lang="en-US"/>
           </a:p>
@@ -2259,7 +2259,7 @@
           <a:p>
             <a:fld id="{12CDA68D-1A1F-6346-A281-652CBF222AD7}" type="datetimeFigureOut">
               <a:rPr lang="en-US" smtClean="0"/>
-              <a:t>19-05-28</a:t>
+              <a:t>19-05-30</a:t>
             </a:fld>
             <a:endParaRPr lang="en-US"/>
           </a:p>
@@ -2512,7 +2512,7 @@
           <a:p>
             <a:fld id="{12CDA68D-1A1F-6346-A281-652CBF222AD7}" type="datetimeFigureOut">
               <a:rPr lang="en-US" smtClean="0"/>
-              <a:t>19-05-28</a:t>
+              <a:t>19-05-30</a:t>
             </a:fld>
             <a:endParaRPr lang="en-US"/>
           </a:p>
@@ -2725,7 +2725,7 @@
           <a:p>
             <a:fld id="{12CDA68D-1A1F-6346-A281-652CBF222AD7}" type="datetimeFigureOut">
               <a:rPr lang="en-US" smtClean="0"/>
-              <a:t>19-05-28</a:t>
+              <a:t>19-05-30</a:t>
             </a:fld>
             <a:endParaRPr lang="en-US"/>
           </a:p>
@@ -3102,13 +3102,1150 @@
       </p:grpSpPr>
       <p:sp>
         <p:nvSpPr>
+          <p:cNvPr id="16" name="Rectangle 15"/>
+          <p:cNvSpPr/>
+          <p:nvPr/>
+        </p:nvSpPr>
+        <p:spPr>
+          <a:xfrm>
+            <a:off x="25528" y="2607735"/>
+            <a:ext cx="3471333" cy="6340197"/>
+          </a:xfrm>
+          <a:prstGeom prst="rect">
+            <a:avLst/>
+          </a:prstGeom>
+        </p:spPr>
+        <p:txBody>
+          <a:bodyPr wrap="square">
+            <a:spAutoFit/>
+          </a:bodyPr>
+          <a:lstStyle/>
+          <a:p>
+            <a:r>
+              <a:rPr lang="en-US" b="1" dirty="0" smtClean="0"/>
+              <a:t> </a:t>
+            </a:r>
+          </a:p>
+          <a:p>
+            <a:endParaRPr lang="en-US" sz="1000" b="1" i="1" dirty="0" smtClean="0"/>
+          </a:p>
+          <a:p>
+            <a:r>
+              <a:rPr lang="en-US" sz="1600" b="1" i="1" dirty="0" smtClean="0"/>
+              <a:t>Group Leader</a:t>
+            </a:r>
+            <a:endParaRPr lang="en-US" sz="1600" dirty="0"/>
+          </a:p>
+          <a:p>
+            <a:r>
+              <a:rPr lang="en-US" sz="1200" b="1" i="1" dirty="0"/>
+              <a:t>BC Cancer </a:t>
+            </a:r>
+            <a:r>
+              <a:rPr lang="en-US" sz="1200" b="1" dirty="0"/>
+              <a:t>– </a:t>
+            </a:r>
+            <a:r>
+              <a:rPr lang="en-US" sz="1200" b="1" i="1" dirty="0"/>
+              <a:t>Genome Sciences Centre</a:t>
+            </a:r>
+            <a:r>
+              <a:rPr lang="en-US" sz="1200" dirty="0"/>
+              <a:t>, </a:t>
+            </a:r>
+            <a:r>
+              <a:rPr lang="en-US" sz="1200" dirty="0" smtClean="0"/>
+              <a:t>Vancouver </a:t>
+            </a:r>
+            <a:endParaRPr lang="en-US" sz="1200" dirty="0"/>
+          </a:p>
+          <a:p>
+            <a:pPr lvl="0" fontAlgn="base"/>
+            <a:r>
+              <a:rPr lang="en-US" sz="1200" dirty="0"/>
+              <a:t>Lead group, </a:t>
+            </a:r>
+            <a:r>
+              <a:rPr lang="en-US" sz="1200" dirty="0" smtClean="0"/>
+              <a:t>project management &amp; guidance</a:t>
+            </a:r>
+            <a:endParaRPr lang="en-US" sz="1200" dirty="0"/>
+          </a:p>
+          <a:p>
+            <a:pPr lvl="0" fontAlgn="base"/>
+            <a:r>
+              <a:rPr lang="en-US" sz="1200" dirty="0" smtClean="0"/>
+              <a:t>Conceptualize, lead, develop genome technologies</a:t>
+            </a:r>
+            <a:endParaRPr lang="en-US" sz="1200" dirty="0"/>
+          </a:p>
+          <a:p>
+            <a:pPr lvl="0" fontAlgn="base"/>
+            <a:r>
+              <a:rPr lang="en-US" sz="1200" dirty="0"/>
+              <a:t>Interview, supervise, mentor </a:t>
+            </a:r>
+            <a:r>
+              <a:rPr lang="en-US" sz="1200" dirty="0" smtClean="0"/>
+              <a:t>staff </a:t>
+            </a:r>
+            <a:r>
+              <a:rPr lang="en-US" sz="1200" dirty="0"/>
+              <a:t>/</a:t>
+            </a:r>
+            <a:r>
+              <a:rPr lang="en-US" sz="1200" dirty="0" smtClean="0"/>
+              <a:t> students</a:t>
+            </a:r>
+          </a:p>
+          <a:p>
+            <a:pPr lvl="0" fontAlgn="base"/>
+            <a:endParaRPr lang="en-US" sz="1000" dirty="0" smtClean="0"/>
+          </a:p>
+          <a:p>
+            <a:pPr lvl="0" fontAlgn="base"/>
+            <a:r>
+              <a:rPr lang="en-US" sz="1600" b="1" i="1" dirty="0" smtClean="0"/>
+              <a:t>Coordinator </a:t>
+            </a:r>
+            <a:endParaRPr lang="en-US" sz="1600" dirty="0"/>
+          </a:p>
+          <a:p>
+            <a:r>
+              <a:rPr lang="en-US" sz="1200" b="1" i="1" dirty="0"/>
+              <a:t>BC Cancer </a:t>
+            </a:r>
+            <a:r>
+              <a:rPr lang="en-US" sz="1200" b="1" dirty="0"/>
+              <a:t>– </a:t>
+            </a:r>
+            <a:r>
+              <a:rPr lang="en-US" sz="1200" b="1" i="1" dirty="0"/>
+              <a:t>Genome Sciences Centre</a:t>
+            </a:r>
+            <a:r>
+              <a:rPr lang="en-US" sz="1200" dirty="0"/>
+              <a:t>, Vancouver </a:t>
+            </a:r>
+          </a:p>
+          <a:p>
+            <a:r>
+              <a:rPr lang="en-US" sz="1200" dirty="0" smtClean="0"/>
+              <a:t>Lead </a:t>
+            </a:r>
+            <a:r>
+              <a:rPr lang="en-US" sz="1200" dirty="0"/>
+              <a:t>bioinformatics R&amp;</a:t>
+            </a:r>
+            <a:r>
+              <a:rPr lang="en-US" sz="1200" dirty="0" smtClean="0"/>
+              <a:t>D</a:t>
+            </a:r>
+          </a:p>
+          <a:p>
+            <a:r>
+              <a:rPr lang="en-US" sz="1200" dirty="0" smtClean="0"/>
+              <a:t>Published </a:t>
+            </a:r>
+            <a:r>
+              <a:rPr lang="en-US" sz="1200" dirty="0"/>
+              <a:t>research (</a:t>
+            </a:r>
+            <a:r>
+              <a:rPr lang="en-US" sz="1200" dirty="0" smtClean="0"/>
+              <a:t>science </a:t>
+            </a:r>
+            <a:r>
+              <a:rPr lang="en-US" sz="1200" dirty="0"/>
+              <a:t>journals, </a:t>
+            </a:r>
+            <a:r>
+              <a:rPr lang="en-US" sz="1200" dirty="0" smtClean="0"/>
+              <a:t>conferences</a:t>
+            </a:r>
+            <a:r>
+              <a:rPr lang="en-US" sz="1200" dirty="0"/>
+              <a:t>)</a:t>
+            </a:r>
+          </a:p>
+          <a:p>
+            <a:pPr lvl="0" fontAlgn="base"/>
+            <a:r>
+              <a:rPr lang="en-US" sz="1200" dirty="0" smtClean="0"/>
+              <a:t>Interviewed</a:t>
+            </a:r>
+            <a:r>
+              <a:rPr lang="en-US" sz="1200" dirty="0"/>
+              <a:t>, taught, trained, supervised </a:t>
+            </a:r>
+            <a:r>
+              <a:rPr lang="en-US" sz="1200" dirty="0" smtClean="0"/>
+              <a:t>staff</a:t>
+            </a:r>
+          </a:p>
+          <a:p>
+            <a:pPr lvl="0" fontAlgn="base"/>
+            <a:endParaRPr lang="en-US" sz="1000" dirty="0"/>
+          </a:p>
+          <a:p>
+            <a:r>
+              <a:rPr lang="en-US" sz="1600" b="1" i="1" dirty="0" smtClean="0"/>
+              <a:t>Officer</a:t>
+            </a:r>
+            <a:endParaRPr lang="en-US" sz="1600" dirty="0"/>
+          </a:p>
+          <a:p>
+            <a:r>
+              <a:rPr lang="en-US" sz="1200" b="1" i="1" dirty="0" smtClean="0"/>
+              <a:t>NRC </a:t>
+            </a:r>
+            <a:r>
+              <a:rPr lang="en-US" sz="1200" b="1" dirty="0" smtClean="0"/>
+              <a:t>– </a:t>
+            </a:r>
+            <a:r>
+              <a:rPr lang="en-US" sz="1200" b="1" i="1" dirty="0" smtClean="0"/>
+              <a:t>Biotechnology </a:t>
+            </a:r>
+            <a:r>
+              <a:rPr lang="en-US" sz="1200" b="1" i="1" dirty="0"/>
+              <a:t>Research Institute</a:t>
+            </a:r>
+            <a:r>
+              <a:rPr lang="en-US" sz="1200" dirty="0"/>
+              <a:t>, Montréal</a:t>
+            </a:r>
+          </a:p>
+          <a:p>
+            <a:r>
+              <a:rPr lang="en-US" sz="1200" dirty="0" smtClean="0"/>
+              <a:t>Engineered </a:t>
+            </a:r>
+            <a:r>
+              <a:rPr lang="en-US" sz="1200" dirty="0"/>
+              <a:t>gene expression regulation technology </a:t>
+            </a:r>
+            <a:r>
+              <a:rPr lang="en-CA" sz="1200" dirty="0" smtClean="0"/>
+              <a:t>Designed</a:t>
+            </a:r>
+            <a:r>
+              <a:rPr lang="en-CA" sz="1200" dirty="0"/>
+              <a:t>, </a:t>
+            </a:r>
+            <a:r>
+              <a:rPr lang="en-CA" sz="1200" dirty="0" smtClean="0"/>
+              <a:t>fabricated, tested DNA </a:t>
+            </a:r>
+            <a:r>
+              <a:rPr lang="en-CA" sz="1200" dirty="0"/>
+              <a:t>“</a:t>
+            </a:r>
+            <a:r>
+              <a:rPr lang="en-US" sz="1200" dirty="0"/>
+              <a:t>gene switch”</a:t>
+            </a:r>
+          </a:p>
+          <a:p>
+            <a:pPr lvl="0" fontAlgn="base"/>
+            <a:r>
+              <a:rPr lang="en-CA" sz="1200" dirty="0" smtClean="0"/>
+              <a:t>Collaborated </a:t>
+            </a:r>
+            <a:r>
+              <a:rPr lang="en-CA" sz="1200" dirty="0"/>
+              <a:t>with stakeholders, </a:t>
+            </a:r>
+            <a:r>
+              <a:rPr lang="en-CA" sz="1200" dirty="0" smtClean="0"/>
+              <a:t>scientists</a:t>
+            </a:r>
+          </a:p>
+          <a:p>
+            <a:pPr lvl="0" fontAlgn="base"/>
+            <a:endParaRPr lang="en-CA" sz="1200" dirty="0" smtClean="0"/>
+          </a:p>
+          <a:p>
+            <a:pPr lvl="0" fontAlgn="base"/>
+            <a:endParaRPr lang="en-CA" sz="1200" dirty="0"/>
+          </a:p>
+          <a:p>
+            <a:r>
+              <a:rPr lang="en-US" b="1" dirty="0" smtClean="0"/>
+              <a:t> </a:t>
+            </a:r>
+            <a:endParaRPr lang="en-US" dirty="0"/>
+          </a:p>
+          <a:p>
+            <a:r>
+              <a:rPr lang="en-US" sz="1200" dirty="0"/>
+              <a:t> </a:t>
+            </a:r>
+          </a:p>
+          <a:p>
+            <a:r>
+              <a:rPr lang="en-US" sz="1600" b="1" dirty="0" smtClean="0"/>
+              <a:t>Certificate</a:t>
+            </a:r>
+            <a:r>
+              <a:rPr lang="en-US" sz="1200" b="1" dirty="0" smtClean="0"/>
+              <a:t> </a:t>
+            </a:r>
+            <a:r>
+              <a:rPr lang="en-US" sz="1200" dirty="0" smtClean="0"/>
+              <a:t>Computer Science     </a:t>
+            </a:r>
+            <a:r>
+              <a:rPr lang="en-US" sz="1200" b="1" dirty="0" smtClean="0"/>
+              <a:t>| </a:t>
+            </a:r>
+            <a:r>
+              <a:rPr lang="en-US" sz="1200" b="1" dirty="0"/>
+              <a:t>Concordia </a:t>
+            </a:r>
+            <a:r>
+              <a:rPr lang="en-US" sz="1200" b="1" dirty="0" smtClean="0"/>
+              <a:t>U.</a:t>
+            </a:r>
+            <a:endParaRPr lang="en-US" sz="1200" dirty="0"/>
+          </a:p>
+          <a:p>
+            <a:endParaRPr lang="en-US" sz="1000" b="1" dirty="0" smtClean="0"/>
+          </a:p>
+          <a:p>
+            <a:endParaRPr lang="en-US" sz="1000" b="1" dirty="0" smtClean="0"/>
+          </a:p>
+          <a:p>
+            <a:r>
+              <a:rPr lang="en-US" sz="1600" b="1" dirty="0" smtClean="0"/>
+              <a:t>MSc </a:t>
+            </a:r>
+            <a:r>
+              <a:rPr lang="en-US" sz="1200" dirty="0"/>
+              <a:t>Biochemistry &amp; Molecular </a:t>
+            </a:r>
+            <a:r>
+              <a:rPr lang="en-US" sz="1200" dirty="0" smtClean="0"/>
+              <a:t>Biology      </a:t>
+            </a:r>
+            <a:r>
+              <a:rPr lang="en-US" sz="1200" b="1" dirty="0" smtClean="0"/>
+              <a:t> |</a:t>
+            </a:r>
+            <a:r>
+              <a:rPr lang="en-US" sz="1200" dirty="0" smtClean="0"/>
+              <a:t> </a:t>
+            </a:r>
+            <a:r>
+              <a:rPr lang="en-US" sz="1200" b="1" dirty="0"/>
+              <a:t>UBC</a:t>
+            </a:r>
+            <a:endParaRPr lang="en-US" sz="1200" dirty="0"/>
+          </a:p>
+          <a:p>
+            <a:r>
+              <a:rPr lang="en-US" sz="1000" dirty="0" smtClean="0"/>
+              <a:t>         </a:t>
+            </a:r>
+          </a:p>
+          <a:p>
+            <a:endParaRPr lang="en-US" sz="1000" dirty="0"/>
+          </a:p>
+          <a:p>
+            <a:r>
+              <a:rPr lang="en-US" sz="1600" b="1" dirty="0" smtClean="0"/>
+              <a:t>BSc  </a:t>
+            </a:r>
+            <a:r>
+              <a:rPr lang="en-US" sz="1200" b="1" dirty="0" smtClean="0"/>
+              <a:t> </a:t>
+            </a:r>
+            <a:r>
+              <a:rPr lang="en-US" sz="1200" dirty="0" smtClean="0"/>
+              <a:t>Biochemistry</a:t>
+            </a:r>
+            <a:r>
+              <a:rPr lang="en-US" sz="1200" b="1" dirty="0" smtClean="0"/>
+              <a:t> </a:t>
+            </a:r>
+            <a:r>
+              <a:rPr lang="en-US" sz="1200" i="1" dirty="0" smtClean="0"/>
+              <a:t>(</a:t>
+            </a:r>
+            <a:r>
+              <a:rPr lang="en-US" sz="1200" i="1" dirty="0" err="1" smtClean="0"/>
+              <a:t>Honours</a:t>
+            </a:r>
+            <a:r>
+              <a:rPr lang="en-US" sz="1200" i="1" dirty="0" smtClean="0"/>
+              <a:t>)     </a:t>
+            </a:r>
+            <a:r>
+              <a:rPr lang="en-US" sz="1200" b="1" dirty="0" smtClean="0"/>
+              <a:t>|</a:t>
+            </a:r>
+            <a:r>
+              <a:rPr lang="en-US" sz="1200" dirty="0" smtClean="0"/>
+              <a:t> </a:t>
+            </a:r>
+            <a:r>
+              <a:rPr lang="en-US" sz="1200" b="1" dirty="0" smtClean="0"/>
+              <a:t>U. </a:t>
+            </a:r>
+            <a:r>
+              <a:rPr lang="en-US" sz="1200" b="1" dirty="0"/>
+              <a:t>de Montréal</a:t>
+            </a:r>
+            <a:endParaRPr lang="en-US" sz="1200" dirty="0"/>
+          </a:p>
+          <a:p>
+            <a:pPr lvl="0" fontAlgn="base"/>
+            <a:endParaRPr lang="en-US" sz="1200" dirty="0"/>
+          </a:p>
+        </p:txBody>
+      </p:sp>
+      <p:sp>
+        <p:nvSpPr>
+          <p:cNvPr id="6" name="Rectangle 5"/>
+          <p:cNvSpPr/>
+          <p:nvPr/>
+        </p:nvSpPr>
+        <p:spPr>
+          <a:xfrm>
+            <a:off x="3469042" y="2723235"/>
+            <a:ext cx="3365500" cy="6140142"/>
+          </a:xfrm>
+          <a:prstGeom prst="rect">
+            <a:avLst/>
+          </a:prstGeom>
+        </p:spPr>
+        <p:txBody>
+          <a:bodyPr wrap="square">
+            <a:spAutoFit/>
+          </a:bodyPr>
+          <a:lstStyle/>
+          <a:p>
+            <a:pPr algn="r"/>
+            <a:r>
+              <a:rPr lang="en-US" b="1" dirty="0" smtClean="0"/>
+              <a:t> </a:t>
+            </a:r>
+            <a:endParaRPr lang="en-US" dirty="0" smtClean="0"/>
+          </a:p>
+          <a:p>
+            <a:r>
+              <a:rPr lang="en-US" sz="1100" dirty="0" smtClean="0"/>
+              <a:t>2015, 16              </a:t>
+            </a:r>
+            <a:r>
+              <a:rPr lang="en-US" sz="1100" b="1" dirty="0" smtClean="0"/>
+              <a:t>Awarded</a:t>
+            </a:r>
+            <a:r>
+              <a:rPr lang="en-US" sz="1100" dirty="0" smtClean="0"/>
+              <a:t> </a:t>
+            </a:r>
+            <a:r>
+              <a:rPr lang="en-US" sz="1100" i="1" dirty="0" smtClean="0"/>
+              <a:t>John </a:t>
+            </a:r>
+            <a:r>
+              <a:rPr lang="en-US" sz="1100" i="1" dirty="0" err="1" smtClean="0"/>
+              <a:t>Jambor</a:t>
+            </a:r>
+            <a:r>
+              <a:rPr lang="en-US" sz="1100" i="1" dirty="0" smtClean="0"/>
+              <a:t> Knowledge Fund</a:t>
+            </a:r>
+            <a:endParaRPr lang="en-US" sz="1100" dirty="0" smtClean="0"/>
+          </a:p>
+          <a:p>
+            <a:r>
+              <a:rPr lang="en-US" sz="1100" dirty="0" smtClean="0"/>
+              <a:t>2011 NTN24 </a:t>
+            </a:r>
+            <a:r>
+              <a:rPr lang="en-US" sz="1100" b="1" dirty="0" smtClean="0"/>
+              <a:t>Interview</a:t>
+            </a:r>
+            <a:r>
+              <a:rPr lang="en-US" sz="1100" dirty="0" smtClean="0"/>
+              <a:t>, </a:t>
+            </a:r>
+            <a:r>
+              <a:rPr lang="en-US" sz="1100" i="1" dirty="0" err="1" smtClean="0"/>
+              <a:t>Fusobacterium</a:t>
+            </a:r>
+            <a:r>
+              <a:rPr lang="en-US" sz="1100" dirty="0" smtClean="0"/>
+              <a:t> cancer discovery</a:t>
+            </a:r>
+          </a:p>
+          <a:p>
+            <a:r>
+              <a:rPr lang="en-US" sz="1100" dirty="0" smtClean="0"/>
+              <a:t>2009         </a:t>
+            </a:r>
+            <a:r>
+              <a:rPr lang="en-US" sz="1100" i="1" dirty="0" smtClean="0"/>
+              <a:t>Genome Technology</a:t>
+            </a:r>
+            <a:r>
+              <a:rPr lang="en-US" sz="1100" dirty="0" smtClean="0"/>
+              <a:t> </a:t>
+            </a:r>
+            <a:r>
+              <a:rPr lang="en-US" sz="1100" b="1" dirty="0" smtClean="0"/>
+              <a:t>interview</a:t>
+            </a:r>
+            <a:r>
+              <a:rPr lang="en-US" sz="1100" i="1" dirty="0" smtClean="0"/>
+              <a:t>,</a:t>
+            </a:r>
+            <a:r>
+              <a:rPr lang="en-US" sz="1100" dirty="0" smtClean="0"/>
+              <a:t> next-gen. seq.</a:t>
+            </a:r>
+          </a:p>
+          <a:p>
+            <a:r>
+              <a:rPr lang="en-US" sz="1100" dirty="0" smtClean="0"/>
+              <a:t>2007           </a:t>
+            </a:r>
+            <a:r>
+              <a:rPr lang="en-US" sz="1100" i="1" dirty="0" err="1" smtClean="0"/>
+              <a:t>GenomeWeb</a:t>
+            </a:r>
+            <a:r>
+              <a:rPr lang="en-US" sz="1100" dirty="0" smtClean="0"/>
+              <a:t> </a:t>
+            </a:r>
+            <a:r>
+              <a:rPr lang="en-US" sz="1100" b="1" dirty="0" smtClean="0"/>
+              <a:t>interview</a:t>
+            </a:r>
+            <a:r>
+              <a:rPr lang="en-US" sz="1100" dirty="0" smtClean="0"/>
+              <a:t>, SSAKE development</a:t>
+            </a:r>
+          </a:p>
+          <a:p>
+            <a:r>
+              <a:rPr lang="en-US" sz="1100" dirty="0" smtClean="0"/>
+              <a:t>1998                   </a:t>
+            </a:r>
+            <a:r>
+              <a:rPr lang="en-US" sz="1100" b="1" dirty="0" smtClean="0"/>
+              <a:t>Awarded</a:t>
+            </a:r>
+            <a:r>
+              <a:rPr lang="en-US" sz="1100" dirty="0" smtClean="0"/>
+              <a:t> MSc UBC Graduate Fellowship</a:t>
+            </a:r>
+          </a:p>
+          <a:p>
+            <a:r>
+              <a:rPr lang="en-US" sz="1100" dirty="0" smtClean="0"/>
+              <a:t>1997                                          </a:t>
+            </a:r>
+            <a:r>
+              <a:rPr lang="en-US" sz="1100" b="1" dirty="0" smtClean="0"/>
+              <a:t>Awarded</a:t>
+            </a:r>
+            <a:r>
+              <a:rPr lang="en-US" sz="1100" dirty="0" smtClean="0"/>
+              <a:t> BSc FRSQ bursary</a:t>
+            </a:r>
+          </a:p>
+          <a:p>
+            <a:r>
+              <a:rPr lang="en-US" sz="1100" dirty="0" smtClean="0"/>
+              <a:t>1996   </a:t>
+            </a:r>
+            <a:r>
+              <a:rPr lang="en-US" sz="1100" b="1" dirty="0" smtClean="0"/>
+              <a:t>Awarded</a:t>
+            </a:r>
+            <a:r>
+              <a:rPr lang="en-US" sz="1100" dirty="0" smtClean="0"/>
+              <a:t> BSc FRSQ for </a:t>
+            </a:r>
+            <a:r>
+              <a:rPr lang="en-US" sz="1100" dirty="0" err="1" smtClean="0"/>
+              <a:t>honour’s</a:t>
+            </a:r>
+            <a:r>
+              <a:rPr lang="en-US" sz="1100" dirty="0" smtClean="0"/>
+              <a:t> research project </a:t>
+            </a:r>
+          </a:p>
+          <a:p>
+            <a:r>
+              <a:rPr lang="en-US" sz="1100" dirty="0" smtClean="0"/>
+              <a:t>1995  </a:t>
+            </a:r>
+            <a:r>
+              <a:rPr lang="en-US" sz="1100" b="1" dirty="0" smtClean="0"/>
+              <a:t>Worked</a:t>
+            </a:r>
+            <a:r>
+              <a:rPr lang="en-US" sz="1100" dirty="0" smtClean="0"/>
+              <a:t> at </a:t>
+            </a:r>
+            <a:r>
+              <a:rPr lang="en-US" sz="1100" b="1" dirty="0" smtClean="0"/>
+              <a:t>NASA</a:t>
+            </a:r>
+            <a:r>
+              <a:rPr lang="en-US" sz="1100" dirty="0" smtClean="0"/>
+              <a:t>, CMIX-4 </a:t>
+            </a:r>
+            <a:r>
+              <a:rPr lang="en-US" sz="1100" dirty="0"/>
+              <a:t>payload protein </a:t>
+            </a:r>
+            <a:r>
+              <a:rPr lang="en-US" sz="1100" dirty="0" smtClean="0"/>
+              <a:t>crystal.</a:t>
+            </a:r>
+          </a:p>
+          <a:p>
+            <a:endParaRPr lang="en-US" sz="800" dirty="0" smtClean="0"/>
+          </a:p>
+          <a:p>
+            <a:pPr algn="r"/>
+            <a:r>
+              <a:rPr lang="en-US" b="1" dirty="0" smtClean="0"/>
+              <a:t>   </a:t>
+            </a:r>
+            <a:r>
+              <a:rPr lang="en-US" sz="1100" b="1" dirty="0" smtClean="0"/>
+              <a:t>  </a:t>
+            </a:r>
+            <a:endParaRPr lang="en-US" sz="1100" dirty="0" smtClean="0"/>
+          </a:p>
+          <a:p>
+            <a:pPr algn="r"/>
+            <a:r>
+              <a:rPr lang="en-US" sz="1100" i="1" dirty="0" smtClean="0"/>
+              <a:t>Selected from 17 lead author</a:t>
+            </a:r>
+            <a:endParaRPr lang="en-US" sz="1100" dirty="0" smtClean="0"/>
+          </a:p>
+          <a:p>
+            <a:endParaRPr lang="en-US" sz="600" dirty="0" smtClean="0"/>
+          </a:p>
+          <a:p>
+            <a:r>
+              <a:rPr lang="en-US" sz="1100" dirty="0" smtClean="0"/>
+              <a:t>2017, 18         </a:t>
+            </a:r>
+            <a:r>
+              <a:rPr lang="en-US" sz="1100" b="1" dirty="0" smtClean="0"/>
+              <a:t>RECOMB</a:t>
+            </a:r>
+            <a:r>
+              <a:rPr lang="en-US" sz="1100" dirty="0" smtClean="0"/>
+              <a:t>, Hong Kong / Paris                 </a:t>
+            </a:r>
+            <a:r>
+              <a:rPr lang="en-US" sz="1100" b="1" dirty="0" smtClean="0"/>
+              <a:t>talks  </a:t>
+            </a:r>
+            <a:endParaRPr lang="en-US" sz="1100" dirty="0" smtClean="0"/>
+          </a:p>
+          <a:p>
+            <a:r>
+              <a:rPr lang="en-US" sz="1100" dirty="0" smtClean="0"/>
+              <a:t>2015, 16, 19   </a:t>
+            </a:r>
+            <a:r>
+              <a:rPr lang="en-US" sz="1100" b="1" dirty="0" smtClean="0"/>
+              <a:t>ISMB</a:t>
+            </a:r>
+            <a:r>
+              <a:rPr lang="en-US" sz="1100" dirty="0" smtClean="0"/>
+              <a:t>, Dublin / Orlando / Basel            </a:t>
+            </a:r>
+            <a:r>
+              <a:rPr lang="en-US" sz="1100" b="1" dirty="0" smtClean="0"/>
+              <a:t>talks</a:t>
+            </a:r>
+            <a:endParaRPr lang="en-US" sz="1100" dirty="0" smtClean="0"/>
+          </a:p>
+          <a:p>
+            <a:r>
+              <a:rPr lang="en-US" sz="1100" dirty="0" smtClean="0"/>
+              <a:t>2008, 12, 15   </a:t>
+            </a:r>
+            <a:r>
+              <a:rPr lang="en-US" sz="1100" b="1" dirty="0" smtClean="0"/>
+              <a:t>Pac. </a:t>
+            </a:r>
+            <a:r>
+              <a:rPr lang="en-US" sz="1100" b="1" dirty="0" err="1" smtClean="0"/>
+              <a:t>Symp</a:t>
+            </a:r>
+            <a:r>
+              <a:rPr lang="en-US" sz="1100" b="1" dirty="0" smtClean="0"/>
+              <a:t>. Biocomputing</a:t>
+            </a:r>
+            <a:r>
+              <a:rPr lang="en-US" sz="1100" dirty="0" smtClean="0"/>
+              <a:t>, Hawaii </a:t>
+            </a:r>
+            <a:r>
+              <a:rPr lang="en-US" sz="1100" b="1" dirty="0" smtClean="0"/>
+              <a:t>posters</a:t>
+            </a:r>
+          </a:p>
+          <a:p>
+            <a:r>
+              <a:rPr lang="en-US" sz="1100" dirty="0" smtClean="0"/>
+              <a:t>2010                </a:t>
+            </a:r>
+            <a:r>
+              <a:rPr lang="en-US" sz="1100" b="1" dirty="0" smtClean="0"/>
+              <a:t>SFAF</a:t>
+            </a:r>
+            <a:r>
+              <a:rPr lang="en-US" sz="1100" dirty="0" smtClean="0"/>
+              <a:t>, Santa Fe USA                                  </a:t>
+            </a:r>
+            <a:r>
+              <a:rPr lang="en-US" sz="1100" b="1" dirty="0" smtClean="0"/>
+              <a:t>talk</a:t>
+            </a:r>
+            <a:endParaRPr lang="en-US" sz="1100" dirty="0" smtClean="0"/>
+          </a:p>
+          <a:p>
+            <a:r>
+              <a:rPr lang="en-US" sz="1100" dirty="0" smtClean="0"/>
+              <a:t>2007</a:t>
+            </a:r>
+            <a:r>
+              <a:rPr lang="en-US" sz="1100" dirty="0"/>
+              <a:t> </a:t>
+            </a:r>
+            <a:r>
+              <a:rPr lang="en-US" sz="1100" dirty="0" smtClean="0"/>
+              <a:t>               </a:t>
+            </a:r>
+            <a:r>
+              <a:rPr lang="en-US" sz="1100" b="1" dirty="0" smtClean="0"/>
+              <a:t>Synthetic Biology</a:t>
+            </a:r>
+            <a:r>
+              <a:rPr lang="en-US" sz="1100" dirty="0" smtClean="0"/>
+              <a:t>, Zürich                        </a:t>
+            </a:r>
+            <a:r>
+              <a:rPr lang="en-US" sz="1100" b="1" dirty="0" smtClean="0"/>
+              <a:t>talk</a:t>
+            </a:r>
+            <a:endParaRPr lang="en-US" sz="1100" dirty="0" smtClean="0"/>
+          </a:p>
+          <a:p>
+            <a:endParaRPr lang="en-US" sz="800" dirty="0" smtClean="0"/>
+          </a:p>
+          <a:p>
+            <a:pPr algn="r"/>
+            <a:r>
+              <a:rPr lang="en-US" b="1" dirty="0" smtClean="0"/>
+              <a:t> </a:t>
+            </a:r>
+            <a:endParaRPr lang="en-US" dirty="0" smtClean="0"/>
+          </a:p>
+          <a:p>
+            <a:pPr algn="r"/>
+            <a:r>
+              <a:rPr lang="en-US" sz="1100" i="1" dirty="0" smtClean="0"/>
+              <a:t>61 peer-reviewed [23 lead author], *co-first</a:t>
+            </a:r>
+            <a:endParaRPr lang="en-US" sz="1100" dirty="0"/>
+          </a:p>
+          <a:p>
+            <a:pPr algn="r"/>
+            <a:endParaRPr lang="en-US" sz="1000" dirty="0" smtClean="0"/>
+          </a:p>
+          <a:p>
+            <a:pPr algn="r"/>
+            <a:r>
+              <a:rPr lang="en-US" sz="1000" b="1" dirty="0" smtClean="0"/>
+              <a:t>Warren RL</a:t>
+            </a:r>
+            <a:r>
+              <a:rPr lang="en-US" sz="1000" dirty="0" smtClean="0"/>
+              <a:t>,</a:t>
+            </a:r>
+            <a:r>
+              <a:rPr lang="en-US" sz="1000" b="1" dirty="0" smtClean="0"/>
+              <a:t> </a:t>
+            </a:r>
+            <a:r>
+              <a:rPr lang="en-US" sz="1000" i="1" dirty="0" smtClean="0"/>
+              <a:t>et al.</a:t>
+            </a:r>
+            <a:r>
+              <a:rPr lang="en-US" sz="1000" b="1" dirty="0" smtClean="0"/>
+              <a:t> </a:t>
+            </a:r>
+            <a:r>
+              <a:rPr lang="en-US" sz="1000" dirty="0" smtClean="0"/>
+              <a:t>2019. </a:t>
+            </a:r>
+            <a:r>
+              <a:rPr lang="en-US" sz="1000" dirty="0" err="1" smtClean="0"/>
+              <a:t>ntEdit</a:t>
+            </a:r>
+            <a:r>
+              <a:rPr lang="en-US" sz="1000" dirty="0" smtClean="0"/>
+              <a:t>: scalable genome sequence polishing. </a:t>
+            </a:r>
+            <a:r>
+              <a:rPr lang="en-US" sz="1000" i="1" dirty="0" smtClean="0"/>
+              <a:t>Bioinformatics. </a:t>
+            </a:r>
+            <a:r>
+              <a:rPr lang="en-US" sz="1000" dirty="0"/>
+              <a:t>b</a:t>
+            </a:r>
+            <a:r>
+              <a:rPr lang="en-US" sz="1000" dirty="0" smtClean="0"/>
+              <a:t>tz400</a:t>
+            </a:r>
+            <a:endParaRPr lang="en-US" sz="1000" dirty="0"/>
+          </a:p>
+          <a:p>
+            <a:pPr algn="r"/>
+            <a:r>
+              <a:rPr lang="en-US" sz="600" b="1" dirty="0" smtClean="0"/>
+              <a:t> </a:t>
+            </a:r>
+            <a:endParaRPr lang="en-US" sz="600" dirty="0" smtClean="0"/>
+          </a:p>
+          <a:p>
+            <a:pPr algn="r"/>
+            <a:r>
+              <a:rPr lang="en-US" sz="1000" b="1" dirty="0" smtClean="0"/>
+              <a:t>Warren RL</a:t>
+            </a:r>
+            <a:r>
+              <a:rPr lang="en-US" sz="1000" dirty="0" smtClean="0"/>
+              <a:t>,</a:t>
+            </a:r>
+            <a:r>
+              <a:rPr lang="en-US" sz="1000" b="1" dirty="0" smtClean="0"/>
+              <a:t> </a:t>
+            </a:r>
+            <a:r>
+              <a:rPr lang="en-US" sz="1000" i="1" dirty="0" smtClean="0"/>
+              <a:t>et al.</a:t>
+            </a:r>
+            <a:r>
+              <a:rPr lang="en-US" sz="1000" dirty="0" smtClean="0"/>
+              <a:t> 2015. LINKS: scalable scaffolding of genomes with long reads.</a:t>
+            </a:r>
+            <a:r>
+              <a:rPr lang="en-US" sz="1000" b="1" dirty="0" smtClean="0"/>
+              <a:t> </a:t>
+            </a:r>
+            <a:r>
+              <a:rPr lang="en-US" sz="1000" i="1" dirty="0" err="1" smtClean="0"/>
+              <a:t>GigaScience</a:t>
+            </a:r>
+            <a:r>
+              <a:rPr lang="en-US" sz="1000" i="1" dirty="0" smtClean="0"/>
+              <a:t> </a:t>
+            </a:r>
+            <a:r>
+              <a:rPr lang="en-US" sz="1000" dirty="0" smtClean="0"/>
+              <a:t>4:35 </a:t>
+            </a:r>
+          </a:p>
+          <a:p>
+            <a:pPr algn="r"/>
+            <a:r>
+              <a:rPr lang="en-US" sz="600" b="1" dirty="0" smtClean="0"/>
+              <a:t> </a:t>
+            </a:r>
+            <a:endParaRPr lang="en-US" sz="600" dirty="0" smtClean="0"/>
+          </a:p>
+          <a:p>
+            <a:pPr algn="r"/>
+            <a:r>
+              <a:rPr lang="en-US" sz="1000" b="1" dirty="0" smtClean="0"/>
+              <a:t>Warren RL</a:t>
+            </a:r>
+            <a:r>
+              <a:rPr lang="en-US" sz="1000" dirty="0" smtClean="0"/>
+              <a:t>,</a:t>
+            </a:r>
+            <a:r>
+              <a:rPr lang="en-US" sz="1000" b="1" dirty="0" smtClean="0"/>
+              <a:t> </a:t>
+            </a:r>
+            <a:r>
+              <a:rPr lang="en-US" sz="1000" i="1" dirty="0" smtClean="0"/>
+              <a:t>et al.</a:t>
+            </a:r>
+            <a:r>
+              <a:rPr lang="en-US" sz="1000" b="1" dirty="0" smtClean="0"/>
+              <a:t> </a:t>
+            </a:r>
+            <a:r>
+              <a:rPr lang="en-US" sz="1000" dirty="0" smtClean="0"/>
+              <a:t>2012. Derivation of HLA types from shotgun sequence datasets. </a:t>
+            </a:r>
+            <a:r>
+              <a:rPr lang="en-US" sz="1000" i="1" dirty="0" smtClean="0"/>
+              <a:t>Genome Med.</a:t>
+            </a:r>
+            <a:r>
+              <a:rPr lang="en-US" sz="1000" dirty="0" smtClean="0"/>
+              <a:t> 4:95</a:t>
+            </a:r>
+          </a:p>
+          <a:p>
+            <a:pPr algn="r"/>
+            <a:r>
+              <a:rPr lang="en-US" sz="600" dirty="0" smtClean="0"/>
+              <a:t> </a:t>
+            </a:r>
+          </a:p>
+          <a:p>
+            <a:pPr algn="r"/>
+            <a:r>
+              <a:rPr lang="en-US" sz="1000" dirty="0" err="1" smtClean="0"/>
+              <a:t>Castellarin</a:t>
+            </a:r>
+            <a:r>
+              <a:rPr lang="en-US" sz="1000" dirty="0" smtClean="0"/>
+              <a:t> M*,</a:t>
+            </a:r>
+            <a:r>
+              <a:rPr lang="en-US" sz="1000" b="1" dirty="0" smtClean="0"/>
+              <a:t> Warren RL*</a:t>
+            </a:r>
+            <a:r>
+              <a:rPr lang="en-US" sz="1000" dirty="0" smtClean="0"/>
+              <a:t>, </a:t>
+            </a:r>
+            <a:r>
+              <a:rPr lang="en-US" sz="1000" i="1" dirty="0" smtClean="0"/>
+              <a:t>et al.</a:t>
+            </a:r>
+            <a:r>
+              <a:rPr lang="en-US" sz="1000" dirty="0" smtClean="0"/>
+              <a:t> 2012. </a:t>
+            </a:r>
+            <a:r>
+              <a:rPr lang="en-US" sz="1000" i="1" dirty="0" err="1" smtClean="0"/>
+              <a:t>Fusobacterium</a:t>
+            </a:r>
+            <a:r>
+              <a:rPr lang="en-US" sz="1000" dirty="0" smtClean="0"/>
+              <a:t> in colorectal carcinoma. </a:t>
+            </a:r>
+            <a:r>
+              <a:rPr lang="en-US" sz="1000" i="1" dirty="0" smtClean="0"/>
+              <a:t>Genome Res</a:t>
+            </a:r>
+            <a:r>
+              <a:rPr lang="en-US" sz="1000" dirty="0" smtClean="0"/>
+              <a:t>. 22:299 </a:t>
+            </a:r>
+          </a:p>
+          <a:p>
+            <a:pPr algn="r"/>
+            <a:r>
+              <a:rPr lang="en-US" sz="600" b="1" dirty="0" smtClean="0"/>
+              <a:t> </a:t>
+            </a:r>
+            <a:endParaRPr lang="en-US" sz="600" dirty="0" smtClean="0"/>
+          </a:p>
+          <a:p>
+            <a:pPr algn="r"/>
+            <a:r>
+              <a:rPr lang="en-US" sz="1000" b="1" dirty="0" smtClean="0"/>
+              <a:t>Warren RL</a:t>
+            </a:r>
+            <a:r>
+              <a:rPr lang="en-US" sz="1000" dirty="0" smtClean="0"/>
+              <a:t>, </a:t>
+            </a:r>
+            <a:r>
+              <a:rPr lang="en-US" sz="1000" i="1" dirty="0" smtClean="0"/>
+              <a:t>et al.</a:t>
+            </a:r>
+            <a:r>
+              <a:rPr lang="en-US" sz="1000" dirty="0" smtClean="0"/>
+              <a:t> 2007. Assembling millions of short DNA sequences using SSAKE. </a:t>
+            </a:r>
+            <a:r>
+              <a:rPr lang="en-US" sz="1000" i="1" dirty="0" err="1" smtClean="0"/>
+              <a:t>Bioinfo</a:t>
+            </a:r>
+            <a:r>
+              <a:rPr lang="en-US" sz="1000" i="1" dirty="0" smtClean="0"/>
+              <a:t>.</a:t>
+            </a:r>
+            <a:r>
+              <a:rPr lang="en-US" sz="1000" dirty="0" smtClean="0"/>
+              <a:t> 23:500</a:t>
+            </a:r>
+          </a:p>
+          <a:p>
+            <a:pPr algn="r"/>
+            <a:r>
+              <a:rPr lang="fr-FR" sz="1000" dirty="0" smtClean="0"/>
+              <a:t> </a:t>
+            </a:r>
+            <a:endParaRPr lang="en-US" sz="1000" dirty="0"/>
+          </a:p>
+        </p:txBody>
+      </p:sp>
+      <p:sp>
+        <p:nvSpPr>
+          <p:cNvPr id="39" name="Rectangle 38"/>
+          <p:cNvSpPr/>
+          <p:nvPr/>
+        </p:nvSpPr>
+        <p:spPr>
+          <a:xfrm>
+            <a:off x="3454530" y="4421798"/>
+            <a:ext cx="3336796" cy="369332"/>
+          </a:xfrm>
+          <a:prstGeom prst="rect">
+            <a:avLst/>
+          </a:prstGeom>
+          <a:solidFill>
+            <a:schemeClr val="tx1">
+              <a:lumMod val="75000"/>
+              <a:lumOff val="25000"/>
+            </a:schemeClr>
+          </a:solidFill>
+        </p:spPr>
+        <p:txBody>
+          <a:bodyPr wrap="square">
+            <a:spAutoFit/>
+          </a:bodyPr>
+          <a:lstStyle/>
+          <a:p>
+            <a:pPr algn="ctr"/>
+            <a:r>
+              <a:rPr lang="en-US" dirty="0" smtClean="0">
+                <a:solidFill>
+                  <a:srgbClr val="FFFFFF"/>
+                </a:solidFill>
+              </a:rPr>
+              <a:t>PRESENTATIONS</a:t>
+            </a:r>
+            <a:endParaRPr lang="en-US" dirty="0">
+              <a:solidFill>
+                <a:srgbClr val="FFFFFF"/>
+              </a:solidFill>
+            </a:endParaRPr>
+          </a:p>
+        </p:txBody>
+      </p:sp>
+      <p:sp>
+        <p:nvSpPr>
+          <p:cNvPr id="41" name="Rectangle 40"/>
+          <p:cNvSpPr/>
+          <p:nvPr/>
+        </p:nvSpPr>
+        <p:spPr>
+          <a:xfrm>
+            <a:off x="3454400" y="5908446"/>
+            <a:ext cx="3336925" cy="369332"/>
+          </a:xfrm>
+          <a:prstGeom prst="rect">
+            <a:avLst/>
+          </a:prstGeom>
+          <a:solidFill>
+            <a:schemeClr val="tx1">
+              <a:lumMod val="75000"/>
+              <a:lumOff val="25000"/>
+            </a:schemeClr>
+          </a:solidFill>
+        </p:spPr>
+        <p:txBody>
+          <a:bodyPr wrap="square">
+            <a:spAutoFit/>
+          </a:bodyPr>
+          <a:lstStyle/>
+          <a:p>
+            <a:pPr algn="ctr"/>
+            <a:r>
+              <a:rPr lang="en-US" dirty="0" smtClean="0">
+                <a:solidFill>
+                  <a:srgbClr val="FFFFFF"/>
+                </a:solidFill>
+              </a:rPr>
+              <a:t>PUBLICATIONS</a:t>
+            </a:r>
+            <a:endParaRPr lang="en-US" dirty="0">
+              <a:solidFill>
+                <a:srgbClr val="FFFFFF"/>
+              </a:solidFill>
+            </a:endParaRPr>
+          </a:p>
+        </p:txBody>
+      </p:sp>
+      <p:sp>
+        <p:nvSpPr>
+          <p:cNvPr id="42" name="Rectangle 41"/>
+          <p:cNvSpPr/>
+          <p:nvPr/>
+        </p:nvSpPr>
+        <p:spPr>
+          <a:xfrm>
+            <a:off x="88901" y="6449563"/>
+            <a:ext cx="3371978" cy="369332"/>
+          </a:xfrm>
+          <a:prstGeom prst="rect">
+            <a:avLst/>
+          </a:prstGeom>
+          <a:solidFill>
+            <a:schemeClr val="tx1">
+              <a:lumMod val="75000"/>
+              <a:lumOff val="25000"/>
+            </a:schemeClr>
+          </a:solidFill>
+        </p:spPr>
+        <p:txBody>
+          <a:bodyPr wrap="square">
+            <a:spAutoFit/>
+          </a:bodyPr>
+          <a:lstStyle/>
+          <a:p>
+            <a:pPr algn="ctr"/>
+            <a:r>
+              <a:rPr lang="en-US" dirty="0" smtClean="0">
+                <a:solidFill>
+                  <a:srgbClr val="FFFFFF"/>
+                </a:solidFill>
+              </a:rPr>
+              <a:t>EDUCATION</a:t>
+            </a:r>
+            <a:endParaRPr lang="en-US" dirty="0">
+              <a:solidFill>
+                <a:srgbClr val="FFFFFF"/>
+              </a:solidFill>
+            </a:endParaRPr>
+          </a:p>
+        </p:txBody>
+      </p:sp>
+      <p:sp>
+        <p:nvSpPr>
           <p:cNvPr id="5" name="Rectangle 4"/>
           <p:cNvSpPr/>
           <p:nvPr/>
         </p:nvSpPr>
         <p:spPr>
           <a:xfrm>
-            <a:off x="88900" y="85462"/>
+            <a:off x="88900" y="98291"/>
             <a:ext cx="6699250" cy="806450"/>
           </a:xfrm>
           <a:prstGeom prst="rect">
@@ -3147,614 +4284,13 @@
       </p:sp>
       <p:sp>
         <p:nvSpPr>
-          <p:cNvPr id="6" name="Rectangle 5"/>
-          <p:cNvSpPr/>
-          <p:nvPr/>
-        </p:nvSpPr>
-        <p:spPr>
-          <a:xfrm>
-            <a:off x="3456214" y="2723235"/>
-            <a:ext cx="3365500" cy="6140142"/>
-          </a:xfrm>
-          <a:prstGeom prst="rect">
-            <a:avLst/>
-          </a:prstGeom>
-        </p:spPr>
-        <p:txBody>
-          <a:bodyPr wrap="square">
-            <a:spAutoFit/>
-          </a:bodyPr>
-          <a:lstStyle/>
-          <a:p>
-            <a:pPr algn="r"/>
-            <a:r>
-              <a:rPr lang="en-US" b="1" dirty="0" smtClean="0"/>
-              <a:t> </a:t>
-            </a:r>
-            <a:endParaRPr lang="en-US" dirty="0" smtClean="0"/>
-          </a:p>
-          <a:p>
-            <a:r>
-              <a:rPr lang="en-US" sz="1100" dirty="0" smtClean="0"/>
-              <a:t>2015, 16              </a:t>
-            </a:r>
-            <a:r>
-              <a:rPr lang="en-US" sz="1100" b="1" dirty="0" smtClean="0"/>
-              <a:t>Awarded</a:t>
-            </a:r>
-            <a:r>
-              <a:rPr lang="en-US" sz="1100" dirty="0" smtClean="0"/>
-              <a:t> </a:t>
-            </a:r>
-            <a:r>
-              <a:rPr lang="en-US" sz="1100" i="1" dirty="0" smtClean="0"/>
-              <a:t>John </a:t>
-            </a:r>
-            <a:r>
-              <a:rPr lang="en-US" sz="1100" i="1" dirty="0" err="1" smtClean="0"/>
-              <a:t>Jambor</a:t>
-            </a:r>
-            <a:r>
-              <a:rPr lang="en-US" sz="1100" i="1" dirty="0" smtClean="0"/>
-              <a:t> Knowledge Fund</a:t>
-            </a:r>
-            <a:endParaRPr lang="en-US" sz="1100" dirty="0" smtClean="0"/>
-          </a:p>
-          <a:p>
-            <a:r>
-              <a:rPr lang="en-US" sz="1100" dirty="0" smtClean="0"/>
-              <a:t>2011 NTN24 </a:t>
-            </a:r>
-            <a:r>
-              <a:rPr lang="en-US" sz="1100" b="1" dirty="0" smtClean="0"/>
-              <a:t>Interview</a:t>
-            </a:r>
-            <a:r>
-              <a:rPr lang="en-US" sz="1100" dirty="0" smtClean="0"/>
-              <a:t>, </a:t>
-            </a:r>
-            <a:r>
-              <a:rPr lang="en-US" sz="1100" i="1" dirty="0" err="1" smtClean="0"/>
-              <a:t>Fusobacterium</a:t>
-            </a:r>
-            <a:r>
-              <a:rPr lang="en-US" sz="1100" dirty="0" smtClean="0"/>
-              <a:t> cancer discovery</a:t>
-            </a:r>
-          </a:p>
-          <a:p>
-            <a:r>
-              <a:rPr lang="en-US" sz="1100" dirty="0" smtClean="0"/>
-              <a:t>2009         </a:t>
-            </a:r>
-            <a:r>
-              <a:rPr lang="en-US" sz="1100" i="1" dirty="0" smtClean="0"/>
-              <a:t>Genome Technology</a:t>
-            </a:r>
-            <a:r>
-              <a:rPr lang="en-US" sz="1100" dirty="0" smtClean="0"/>
-              <a:t> </a:t>
-            </a:r>
-            <a:r>
-              <a:rPr lang="en-US" sz="1100" b="1" dirty="0" smtClean="0"/>
-              <a:t>interview</a:t>
-            </a:r>
-            <a:r>
-              <a:rPr lang="en-US" sz="1100" i="1" dirty="0" smtClean="0"/>
-              <a:t>,</a:t>
-            </a:r>
-            <a:r>
-              <a:rPr lang="en-US" sz="1100" dirty="0" smtClean="0"/>
-              <a:t> next-gen. seq.</a:t>
-            </a:r>
-          </a:p>
-          <a:p>
-            <a:r>
-              <a:rPr lang="en-US" sz="1100" dirty="0" smtClean="0"/>
-              <a:t>2007           </a:t>
-            </a:r>
-            <a:r>
-              <a:rPr lang="en-US" sz="1100" i="1" dirty="0" err="1" smtClean="0"/>
-              <a:t>GenomeWeb</a:t>
-            </a:r>
-            <a:r>
-              <a:rPr lang="en-US" sz="1100" dirty="0" smtClean="0"/>
-              <a:t> </a:t>
-            </a:r>
-            <a:r>
-              <a:rPr lang="en-US" sz="1100" b="1" dirty="0" smtClean="0"/>
-              <a:t>interview</a:t>
-            </a:r>
-            <a:r>
-              <a:rPr lang="en-US" sz="1100" dirty="0" smtClean="0"/>
-              <a:t>, SSAKE development</a:t>
-            </a:r>
-          </a:p>
-          <a:p>
-            <a:r>
-              <a:rPr lang="en-US" sz="1100" dirty="0" smtClean="0"/>
-              <a:t>1998                   </a:t>
-            </a:r>
-            <a:r>
-              <a:rPr lang="en-US" sz="1100" b="1" dirty="0" smtClean="0"/>
-              <a:t>Awarded</a:t>
-            </a:r>
-            <a:r>
-              <a:rPr lang="en-US" sz="1100" dirty="0" smtClean="0"/>
-              <a:t> MSc UBC Graduate Fellowship</a:t>
-            </a:r>
-          </a:p>
-          <a:p>
-            <a:r>
-              <a:rPr lang="en-US" sz="1100" dirty="0" smtClean="0"/>
-              <a:t>1997                                          </a:t>
-            </a:r>
-            <a:r>
-              <a:rPr lang="en-US" sz="1100" b="1" dirty="0" smtClean="0"/>
-              <a:t>Awarded</a:t>
-            </a:r>
-            <a:r>
-              <a:rPr lang="en-US" sz="1100" dirty="0" smtClean="0"/>
-              <a:t> BSc FRSQ bursary</a:t>
-            </a:r>
-          </a:p>
-          <a:p>
-            <a:r>
-              <a:rPr lang="en-US" sz="1100" dirty="0" smtClean="0"/>
-              <a:t>1996   </a:t>
-            </a:r>
-            <a:r>
-              <a:rPr lang="en-US" sz="1100" b="1" dirty="0" smtClean="0"/>
-              <a:t>Awarded</a:t>
-            </a:r>
-            <a:r>
-              <a:rPr lang="en-US" sz="1100" dirty="0" smtClean="0"/>
-              <a:t> BSc FRSQ for </a:t>
-            </a:r>
-            <a:r>
-              <a:rPr lang="en-US" sz="1100" dirty="0" err="1" smtClean="0"/>
-              <a:t>honour’s</a:t>
-            </a:r>
-            <a:r>
-              <a:rPr lang="en-US" sz="1100" dirty="0" smtClean="0"/>
-              <a:t> research project </a:t>
-            </a:r>
-          </a:p>
-          <a:p>
-            <a:r>
-              <a:rPr lang="en-US" sz="1100" dirty="0" smtClean="0"/>
-              <a:t>1995  </a:t>
-            </a:r>
-            <a:r>
-              <a:rPr lang="en-US" sz="1100" b="1" dirty="0" smtClean="0"/>
-              <a:t>Worked</a:t>
-            </a:r>
-            <a:r>
-              <a:rPr lang="en-US" sz="1100" dirty="0" smtClean="0"/>
-              <a:t> at </a:t>
-            </a:r>
-            <a:r>
-              <a:rPr lang="en-US" sz="1100" b="1" dirty="0" smtClean="0"/>
-              <a:t>NASA</a:t>
-            </a:r>
-            <a:r>
-              <a:rPr lang="en-US" sz="1100" dirty="0" smtClean="0"/>
-              <a:t>, CMIX-4 </a:t>
-            </a:r>
-            <a:r>
-              <a:rPr lang="en-US" sz="1100" dirty="0"/>
-              <a:t>payload protein </a:t>
-            </a:r>
-            <a:r>
-              <a:rPr lang="en-US" sz="1100" dirty="0" smtClean="0"/>
-              <a:t>crystal.</a:t>
-            </a:r>
-          </a:p>
-          <a:p>
-            <a:endParaRPr lang="en-US" sz="800" dirty="0" smtClean="0"/>
-          </a:p>
-          <a:p>
-            <a:pPr algn="r"/>
-            <a:r>
-              <a:rPr lang="en-US" b="1" dirty="0" smtClean="0"/>
-              <a:t>   </a:t>
-            </a:r>
-            <a:r>
-              <a:rPr lang="en-US" sz="1100" b="1" dirty="0" smtClean="0"/>
-              <a:t>  </a:t>
-            </a:r>
-            <a:endParaRPr lang="en-US" sz="1100" dirty="0" smtClean="0"/>
-          </a:p>
-          <a:p>
-            <a:pPr algn="r"/>
-            <a:r>
-              <a:rPr lang="en-US" sz="1100" i="1" dirty="0" smtClean="0"/>
-              <a:t>Selected from 17 lead author</a:t>
-            </a:r>
-            <a:endParaRPr lang="en-US" sz="1100" dirty="0" smtClean="0"/>
-          </a:p>
-          <a:p>
-            <a:endParaRPr lang="en-US" sz="600" dirty="0" smtClean="0"/>
-          </a:p>
-          <a:p>
-            <a:r>
-              <a:rPr lang="en-US" sz="1100" dirty="0" smtClean="0"/>
-              <a:t>2017, 18         </a:t>
-            </a:r>
-            <a:r>
-              <a:rPr lang="en-US" sz="1100" b="1" dirty="0" smtClean="0"/>
-              <a:t>RECOMB</a:t>
-            </a:r>
-            <a:r>
-              <a:rPr lang="en-US" sz="1100" dirty="0" smtClean="0"/>
-              <a:t>, Hong Kong / Paris                 </a:t>
-            </a:r>
-            <a:r>
-              <a:rPr lang="en-US" sz="1100" b="1" dirty="0" smtClean="0"/>
-              <a:t>talks  </a:t>
-            </a:r>
-            <a:endParaRPr lang="en-US" sz="1100" dirty="0" smtClean="0"/>
-          </a:p>
-          <a:p>
-            <a:r>
-              <a:rPr lang="en-US" sz="1100" dirty="0" smtClean="0"/>
-              <a:t>2015, 16, 19   </a:t>
-            </a:r>
-            <a:r>
-              <a:rPr lang="en-US" sz="1100" b="1" dirty="0" smtClean="0"/>
-              <a:t>ISMB</a:t>
-            </a:r>
-            <a:r>
-              <a:rPr lang="en-US" sz="1100" dirty="0" smtClean="0"/>
-              <a:t>, Dublin / Orlando / Basel            </a:t>
-            </a:r>
-            <a:r>
-              <a:rPr lang="en-US" sz="1100" b="1" dirty="0" smtClean="0"/>
-              <a:t>talks</a:t>
-            </a:r>
-            <a:endParaRPr lang="en-US" sz="1100" dirty="0" smtClean="0"/>
-          </a:p>
-          <a:p>
-            <a:r>
-              <a:rPr lang="en-US" sz="1100" dirty="0" smtClean="0"/>
-              <a:t>2008, 12, 15   </a:t>
-            </a:r>
-            <a:r>
-              <a:rPr lang="en-US" sz="1100" b="1" dirty="0" smtClean="0"/>
-              <a:t>Pac. </a:t>
-            </a:r>
-            <a:r>
-              <a:rPr lang="en-US" sz="1100" b="1" dirty="0" err="1" smtClean="0"/>
-              <a:t>Symp</a:t>
-            </a:r>
-            <a:r>
-              <a:rPr lang="en-US" sz="1100" b="1" dirty="0" smtClean="0"/>
-              <a:t>. Biocomputing</a:t>
-            </a:r>
-            <a:r>
-              <a:rPr lang="en-US" sz="1100" dirty="0" smtClean="0"/>
-              <a:t>, Hawaii </a:t>
-            </a:r>
-            <a:r>
-              <a:rPr lang="en-US" sz="1100" b="1" dirty="0" smtClean="0"/>
-              <a:t>posters</a:t>
-            </a:r>
-          </a:p>
-          <a:p>
-            <a:r>
-              <a:rPr lang="en-US" sz="1100" dirty="0" smtClean="0"/>
-              <a:t>2010                </a:t>
-            </a:r>
-            <a:r>
-              <a:rPr lang="en-US" sz="1100" b="1" dirty="0" smtClean="0"/>
-              <a:t>SFAF</a:t>
-            </a:r>
-            <a:r>
-              <a:rPr lang="en-US" sz="1100" dirty="0" smtClean="0"/>
-              <a:t>, Santa Fe USA                                  </a:t>
-            </a:r>
-            <a:r>
-              <a:rPr lang="en-US" sz="1100" b="1" dirty="0" smtClean="0"/>
-              <a:t>talk</a:t>
-            </a:r>
-            <a:endParaRPr lang="en-US" sz="1100" dirty="0" smtClean="0"/>
-          </a:p>
-          <a:p>
-            <a:r>
-              <a:rPr lang="en-US" sz="1100" dirty="0" smtClean="0"/>
-              <a:t>2007</a:t>
-            </a:r>
-            <a:r>
-              <a:rPr lang="en-US" sz="1100" dirty="0"/>
-              <a:t> </a:t>
-            </a:r>
-            <a:r>
-              <a:rPr lang="en-US" sz="1100" dirty="0" smtClean="0"/>
-              <a:t>               </a:t>
-            </a:r>
-            <a:r>
-              <a:rPr lang="en-US" sz="1100" b="1" dirty="0" smtClean="0"/>
-              <a:t>Synthetic Biology</a:t>
-            </a:r>
-            <a:r>
-              <a:rPr lang="en-US" sz="1100" dirty="0" smtClean="0"/>
-              <a:t>, Zürich                        </a:t>
-            </a:r>
-            <a:r>
-              <a:rPr lang="en-US" sz="1100" b="1" dirty="0" smtClean="0"/>
-              <a:t>talk</a:t>
-            </a:r>
-            <a:endParaRPr lang="en-US" sz="1100" dirty="0" smtClean="0"/>
-          </a:p>
-          <a:p>
-            <a:endParaRPr lang="en-US" sz="800" dirty="0" smtClean="0"/>
-          </a:p>
-          <a:p>
-            <a:pPr algn="r"/>
-            <a:r>
-              <a:rPr lang="en-US" b="1" dirty="0" smtClean="0"/>
-              <a:t> </a:t>
-            </a:r>
-            <a:endParaRPr lang="en-US" dirty="0" smtClean="0"/>
-          </a:p>
-          <a:p>
-            <a:pPr algn="r"/>
-            <a:r>
-              <a:rPr lang="en-US" sz="1100" i="1" dirty="0" smtClean="0"/>
-              <a:t>61 peer-reviewed [23 lead author], *co-first</a:t>
-            </a:r>
-            <a:endParaRPr lang="en-US" sz="1100" dirty="0"/>
-          </a:p>
-          <a:p>
-            <a:pPr algn="r"/>
-            <a:endParaRPr lang="en-US" sz="1000" dirty="0" smtClean="0"/>
-          </a:p>
-          <a:p>
-            <a:pPr algn="r"/>
-            <a:r>
-              <a:rPr lang="en-US" sz="1000" b="1" dirty="0" smtClean="0"/>
-              <a:t>Warren RL</a:t>
-            </a:r>
-            <a:r>
-              <a:rPr lang="en-US" sz="1000" dirty="0" smtClean="0"/>
-              <a:t>,</a:t>
-            </a:r>
-            <a:r>
-              <a:rPr lang="en-US" sz="1000" b="1" dirty="0" smtClean="0"/>
-              <a:t> </a:t>
-            </a:r>
-            <a:r>
-              <a:rPr lang="en-US" sz="1000" i="1" dirty="0" smtClean="0"/>
-              <a:t>et al.</a:t>
-            </a:r>
-            <a:r>
-              <a:rPr lang="en-US" sz="1000" b="1" dirty="0" smtClean="0"/>
-              <a:t> </a:t>
-            </a:r>
-            <a:r>
-              <a:rPr lang="en-US" sz="1000" dirty="0" smtClean="0"/>
-              <a:t>2019. </a:t>
-            </a:r>
-            <a:r>
-              <a:rPr lang="en-US" sz="1000" dirty="0" err="1" smtClean="0"/>
-              <a:t>ntEdit</a:t>
-            </a:r>
-            <a:r>
-              <a:rPr lang="en-US" sz="1000" dirty="0" smtClean="0"/>
-              <a:t>: scalable genome sequence polishing. </a:t>
-            </a:r>
-            <a:r>
-              <a:rPr lang="en-US" sz="1000" i="1" dirty="0" smtClean="0"/>
-              <a:t>Bioinformatics. </a:t>
-            </a:r>
-            <a:r>
-              <a:rPr lang="en-US" sz="1000" dirty="0"/>
-              <a:t>b</a:t>
-            </a:r>
-            <a:r>
-              <a:rPr lang="en-US" sz="1000" dirty="0" smtClean="0"/>
-              <a:t>tz400</a:t>
-            </a:r>
-            <a:endParaRPr lang="en-US" sz="1000" dirty="0"/>
-          </a:p>
-          <a:p>
-            <a:pPr algn="r"/>
-            <a:r>
-              <a:rPr lang="en-US" sz="600" b="1" dirty="0" smtClean="0"/>
-              <a:t> </a:t>
-            </a:r>
-            <a:endParaRPr lang="en-US" sz="600" dirty="0" smtClean="0"/>
-          </a:p>
-          <a:p>
-            <a:pPr algn="r"/>
-            <a:r>
-              <a:rPr lang="en-US" sz="1000" b="1" dirty="0" smtClean="0"/>
-              <a:t>Warren RL</a:t>
-            </a:r>
-            <a:r>
-              <a:rPr lang="en-US" sz="1000" dirty="0" smtClean="0"/>
-              <a:t>,</a:t>
-            </a:r>
-            <a:r>
-              <a:rPr lang="en-US" sz="1000" b="1" dirty="0" smtClean="0"/>
-              <a:t> </a:t>
-            </a:r>
-            <a:r>
-              <a:rPr lang="en-US" sz="1000" i="1" dirty="0" smtClean="0"/>
-              <a:t>et al.</a:t>
-            </a:r>
-            <a:r>
-              <a:rPr lang="en-US" sz="1000" dirty="0" smtClean="0"/>
-              <a:t> 2015. LINKS: scalable scaffolding of genomes with long reads.</a:t>
-            </a:r>
-            <a:r>
-              <a:rPr lang="en-US" sz="1000" b="1" dirty="0" smtClean="0"/>
-              <a:t> </a:t>
-            </a:r>
-            <a:r>
-              <a:rPr lang="en-US" sz="1000" i="1" dirty="0" err="1" smtClean="0"/>
-              <a:t>GigaScience</a:t>
-            </a:r>
-            <a:r>
-              <a:rPr lang="en-US" sz="1000" i="1" dirty="0" smtClean="0"/>
-              <a:t> </a:t>
-            </a:r>
-            <a:r>
-              <a:rPr lang="en-US" sz="1000" dirty="0" smtClean="0"/>
-              <a:t>4:35 </a:t>
-            </a:r>
-          </a:p>
-          <a:p>
-            <a:pPr algn="r"/>
-            <a:r>
-              <a:rPr lang="en-US" sz="600" b="1" dirty="0" smtClean="0"/>
-              <a:t> </a:t>
-            </a:r>
-            <a:endParaRPr lang="en-US" sz="600" dirty="0" smtClean="0"/>
-          </a:p>
-          <a:p>
-            <a:pPr algn="r"/>
-            <a:r>
-              <a:rPr lang="en-US" sz="1000" b="1" dirty="0" smtClean="0"/>
-              <a:t>Warren RL</a:t>
-            </a:r>
-            <a:r>
-              <a:rPr lang="en-US" sz="1000" dirty="0" smtClean="0"/>
-              <a:t>,</a:t>
-            </a:r>
-            <a:r>
-              <a:rPr lang="en-US" sz="1000" b="1" dirty="0" smtClean="0"/>
-              <a:t> </a:t>
-            </a:r>
-            <a:r>
-              <a:rPr lang="en-US" sz="1000" i="1" dirty="0" smtClean="0"/>
-              <a:t>et al.</a:t>
-            </a:r>
-            <a:r>
-              <a:rPr lang="en-US" sz="1000" b="1" dirty="0" smtClean="0"/>
-              <a:t> </a:t>
-            </a:r>
-            <a:r>
-              <a:rPr lang="en-US" sz="1000" dirty="0" smtClean="0"/>
-              <a:t>2012. Derivation of HLA types from shotgun sequence datasets. </a:t>
-            </a:r>
-            <a:r>
-              <a:rPr lang="en-US" sz="1000" i="1" dirty="0" smtClean="0"/>
-              <a:t>Genome Med.</a:t>
-            </a:r>
-            <a:r>
-              <a:rPr lang="en-US" sz="1000" dirty="0" smtClean="0"/>
-              <a:t> 4:95</a:t>
-            </a:r>
-          </a:p>
-          <a:p>
-            <a:pPr algn="r"/>
-            <a:r>
-              <a:rPr lang="en-US" sz="600" dirty="0" smtClean="0"/>
-              <a:t> </a:t>
-            </a:r>
-          </a:p>
-          <a:p>
-            <a:pPr algn="r"/>
-            <a:r>
-              <a:rPr lang="en-US" sz="1000" dirty="0" err="1" smtClean="0"/>
-              <a:t>Castellarin</a:t>
-            </a:r>
-            <a:r>
-              <a:rPr lang="en-US" sz="1000" dirty="0" smtClean="0"/>
-              <a:t> M*,</a:t>
-            </a:r>
-            <a:r>
-              <a:rPr lang="en-US" sz="1000" b="1" dirty="0" smtClean="0"/>
-              <a:t> Warren RL*</a:t>
-            </a:r>
-            <a:r>
-              <a:rPr lang="en-US" sz="1000" dirty="0" smtClean="0"/>
-              <a:t>, </a:t>
-            </a:r>
-            <a:r>
-              <a:rPr lang="en-US" sz="1000" i="1" dirty="0" smtClean="0"/>
-              <a:t>et al.</a:t>
-            </a:r>
-            <a:r>
-              <a:rPr lang="en-US" sz="1000" dirty="0" smtClean="0"/>
-              <a:t> 2012. </a:t>
-            </a:r>
-            <a:r>
-              <a:rPr lang="en-US" sz="1000" i="1" dirty="0" err="1" smtClean="0"/>
-              <a:t>Fusobacterium</a:t>
-            </a:r>
-            <a:r>
-              <a:rPr lang="en-US" sz="1000" dirty="0" smtClean="0"/>
-              <a:t> in colorectal carcinoma. </a:t>
-            </a:r>
-            <a:r>
-              <a:rPr lang="en-US" sz="1000" i="1" dirty="0" smtClean="0"/>
-              <a:t>Genome Res</a:t>
-            </a:r>
-            <a:r>
-              <a:rPr lang="en-US" sz="1000" dirty="0" smtClean="0"/>
-              <a:t>. 22:299 </a:t>
-            </a:r>
-          </a:p>
-          <a:p>
-            <a:pPr algn="r"/>
-            <a:r>
-              <a:rPr lang="en-US" sz="600" b="1" dirty="0" smtClean="0"/>
-              <a:t> </a:t>
-            </a:r>
-            <a:endParaRPr lang="en-US" sz="600" dirty="0" smtClean="0"/>
-          </a:p>
-          <a:p>
-            <a:pPr algn="r"/>
-            <a:r>
-              <a:rPr lang="en-US" sz="1000" b="1" dirty="0" smtClean="0"/>
-              <a:t>Warren RL</a:t>
-            </a:r>
-            <a:r>
-              <a:rPr lang="en-US" sz="1000" dirty="0" smtClean="0"/>
-              <a:t>, </a:t>
-            </a:r>
-            <a:r>
-              <a:rPr lang="en-US" sz="1000" i="1" dirty="0" smtClean="0"/>
-              <a:t>et al.</a:t>
-            </a:r>
-            <a:r>
-              <a:rPr lang="en-US" sz="1000" dirty="0" smtClean="0"/>
-              <a:t> 2007. Assembling millions of short DNA sequences using SSAKE. </a:t>
-            </a:r>
-            <a:r>
-              <a:rPr lang="en-US" sz="1000" i="1" dirty="0" err="1" smtClean="0"/>
-              <a:t>Bioinfo</a:t>
-            </a:r>
-            <a:r>
-              <a:rPr lang="en-US" sz="1000" i="1" dirty="0" smtClean="0"/>
-              <a:t>.</a:t>
-            </a:r>
-            <a:r>
-              <a:rPr lang="en-US" sz="1000" dirty="0" smtClean="0"/>
-              <a:t> 23:500</a:t>
-            </a:r>
-          </a:p>
-          <a:p>
-            <a:pPr algn="r"/>
-            <a:r>
-              <a:rPr lang="fr-FR" sz="1000" dirty="0" smtClean="0"/>
-              <a:t> </a:t>
-            </a:r>
-            <a:endParaRPr lang="en-US" sz="1000" dirty="0"/>
-          </a:p>
-        </p:txBody>
-      </p:sp>
-      <p:sp>
-        <p:nvSpPr>
           <p:cNvPr id="2" name="TextBox 1"/>
           <p:cNvSpPr txBox="1"/>
           <p:nvPr/>
         </p:nvSpPr>
         <p:spPr>
           <a:xfrm>
-            <a:off x="687099" y="-101600"/>
+            <a:off x="687099" y="-75942"/>
             <a:ext cx="1805452" cy="1015663"/>
           </a:xfrm>
           <a:prstGeom prst="rect">
@@ -3792,7 +4328,7 @@
         </p:nvSpPr>
         <p:spPr>
           <a:xfrm>
-            <a:off x="4040409" y="-101600"/>
+            <a:off x="4040409" y="-75942"/>
             <a:ext cx="2609083" cy="1015663"/>
           </a:xfrm>
           <a:prstGeom prst="rect">
@@ -3830,7 +4366,7 @@
         </p:nvSpPr>
         <p:spPr>
           <a:xfrm>
-            <a:off x="0" y="1351188"/>
+            <a:off x="0" y="1364017"/>
             <a:ext cx="6858000" cy="923330"/>
           </a:xfrm>
           <a:prstGeom prst="rect">
@@ -3948,7 +4484,7 @@
         </p:blipFill>
         <p:spPr>
           <a:xfrm>
-            <a:off x="2971800" y="31487"/>
+            <a:off x="2971800" y="44316"/>
             <a:ext cx="914400" cy="914400"/>
           </a:xfrm>
           <a:prstGeom prst="rect">
@@ -3964,7 +4500,7 @@
         </p:nvSpPr>
         <p:spPr>
           <a:xfrm>
-            <a:off x="0" y="830325"/>
+            <a:off x="0" y="843154"/>
             <a:ext cx="7382930" cy="400110"/>
           </a:xfrm>
           <a:prstGeom prst="rect">
@@ -4028,8 +4564,8 @@
         </p:nvSpPr>
         <p:spPr>
           <a:xfrm>
-            <a:off x="76200" y="1197802"/>
-            <a:ext cx="6711950" cy="369332"/>
+            <a:off x="88900" y="1210631"/>
+            <a:ext cx="6702424" cy="369332"/>
           </a:xfrm>
           <a:prstGeom prst="rect">
             <a:avLst/>
@@ -4066,14 +4602,16 @@
         </p:nvSpPr>
         <p:spPr>
           <a:xfrm>
-            <a:off x="76200" y="2288198"/>
-            <a:ext cx="6711950" cy="369332"/>
+            <a:off x="88900" y="2288198"/>
+            <a:ext cx="6702552" cy="369332"/>
           </a:xfrm>
           <a:prstGeom prst="rect">
             <a:avLst/>
           </a:prstGeom>
           <a:solidFill>
-            <a:srgbClr val="7F7F7F"/>
+            <a:schemeClr val="bg1">
+              <a:lumMod val="50000"/>
+            </a:schemeClr>
           </a:solidFill>
         </p:spPr>
         <p:txBody>
@@ -4088,7 +4626,15 @@
                   <a:srgbClr val="FFFFFF"/>
                 </a:solidFill>
               </a:rPr>
-              <a:t>                   seeking </a:t>
+              <a:t>                   </a:t>
+            </a:r>
+            <a:r>
+              <a:rPr lang="en-US" dirty="0" smtClean="0">
+                <a:solidFill>
+                  <a:srgbClr val="FFFFFF"/>
+                </a:solidFill>
+              </a:rPr>
+              <a:t>Seeking </a:t>
             </a:r>
             <a:r>
               <a:rPr lang="en-US" dirty="0">
@@ -4104,7 +4650,7 @@
                   <a:srgbClr val="FFFFFF"/>
                 </a:solidFill>
               </a:rPr>
-              <a:t>leadership      </a:t>
+              <a:t>leadership       </a:t>
             </a:r>
             <a:endParaRPr lang="en-US" dirty="0">
               <a:solidFill>
@@ -4122,8 +4668,8 @@
         </p:nvCxnSpPr>
         <p:spPr>
           <a:xfrm flipH="1">
-            <a:off x="3434133" y="2946400"/>
-            <a:ext cx="16035" cy="5868444"/>
+            <a:off x="3446961" y="3035302"/>
+            <a:ext cx="16035" cy="5786145"/>
           </a:xfrm>
           <a:prstGeom prst="line">
             <a:avLst/>
@@ -4150,422 +4696,6 @@
           </a:fontRef>
         </p:style>
       </p:cxnSp>
-      <p:sp>
-        <p:nvSpPr>
-          <p:cNvPr id="16" name="Rectangle 15"/>
-          <p:cNvSpPr/>
-          <p:nvPr/>
-        </p:nvSpPr>
-        <p:spPr>
-          <a:xfrm>
-            <a:off x="12700" y="2607735"/>
-            <a:ext cx="3471333" cy="6340197"/>
-          </a:xfrm>
-          <a:prstGeom prst="rect">
-            <a:avLst/>
-          </a:prstGeom>
-        </p:spPr>
-        <p:txBody>
-          <a:bodyPr wrap="square">
-            <a:spAutoFit/>
-          </a:bodyPr>
-          <a:lstStyle/>
-          <a:p>
-            <a:r>
-              <a:rPr lang="en-US" b="1" dirty="0" smtClean="0"/>
-              <a:t> </a:t>
-            </a:r>
-          </a:p>
-          <a:p>
-            <a:endParaRPr lang="en-US" sz="1000" b="1" i="1" dirty="0" smtClean="0"/>
-          </a:p>
-          <a:p>
-            <a:r>
-              <a:rPr lang="en-US" sz="1600" b="1" i="1" dirty="0" smtClean="0"/>
-              <a:t>Group Leader</a:t>
-            </a:r>
-            <a:endParaRPr lang="en-US" sz="1600" dirty="0"/>
-          </a:p>
-          <a:p>
-            <a:r>
-              <a:rPr lang="en-US" sz="1200" b="1" i="1" dirty="0"/>
-              <a:t>BC Cancer </a:t>
-            </a:r>
-            <a:r>
-              <a:rPr lang="en-US" sz="1200" b="1" dirty="0"/>
-              <a:t>– </a:t>
-            </a:r>
-            <a:r>
-              <a:rPr lang="en-US" sz="1200" b="1" i="1" dirty="0"/>
-              <a:t>Genome Sciences Centre</a:t>
-            </a:r>
-            <a:r>
-              <a:rPr lang="en-US" sz="1200" dirty="0"/>
-              <a:t>, </a:t>
-            </a:r>
-            <a:r>
-              <a:rPr lang="en-US" sz="1200" dirty="0" smtClean="0"/>
-              <a:t>Vancouver </a:t>
-            </a:r>
-            <a:endParaRPr lang="en-US" sz="1200" dirty="0"/>
-          </a:p>
-          <a:p>
-            <a:pPr lvl="0" fontAlgn="base"/>
-            <a:r>
-              <a:rPr lang="en-US" sz="1200" dirty="0"/>
-              <a:t>Lead group, </a:t>
-            </a:r>
-            <a:r>
-              <a:rPr lang="en-US" sz="1200" dirty="0" smtClean="0"/>
-              <a:t>project management &amp; guidance</a:t>
-            </a:r>
-            <a:endParaRPr lang="en-US" sz="1200" dirty="0"/>
-          </a:p>
-          <a:p>
-            <a:pPr lvl="0" fontAlgn="base"/>
-            <a:r>
-              <a:rPr lang="en-US" sz="1200" dirty="0" smtClean="0"/>
-              <a:t>Conceptualize, lead, develop genome technologies</a:t>
-            </a:r>
-            <a:endParaRPr lang="en-US" sz="1200" dirty="0"/>
-          </a:p>
-          <a:p>
-            <a:pPr lvl="0" fontAlgn="base"/>
-            <a:r>
-              <a:rPr lang="en-US" sz="1200" dirty="0"/>
-              <a:t>Interview, supervise, mentor </a:t>
-            </a:r>
-            <a:r>
-              <a:rPr lang="en-US" sz="1200" dirty="0" smtClean="0"/>
-              <a:t>staff </a:t>
-            </a:r>
-            <a:r>
-              <a:rPr lang="en-US" sz="1200" dirty="0"/>
-              <a:t>/</a:t>
-            </a:r>
-            <a:r>
-              <a:rPr lang="en-US" sz="1200" dirty="0" smtClean="0"/>
-              <a:t> students</a:t>
-            </a:r>
-          </a:p>
-          <a:p>
-            <a:pPr lvl="0" fontAlgn="base"/>
-            <a:endParaRPr lang="en-US" sz="1000" dirty="0" smtClean="0"/>
-          </a:p>
-          <a:p>
-            <a:pPr lvl="0" fontAlgn="base"/>
-            <a:r>
-              <a:rPr lang="en-US" sz="1600" b="1" i="1" dirty="0" smtClean="0"/>
-              <a:t>Coordinator </a:t>
-            </a:r>
-            <a:endParaRPr lang="en-US" sz="1600" dirty="0"/>
-          </a:p>
-          <a:p>
-            <a:r>
-              <a:rPr lang="en-US" sz="1200" b="1" i="1" dirty="0"/>
-              <a:t>BC Cancer </a:t>
-            </a:r>
-            <a:r>
-              <a:rPr lang="en-US" sz="1200" b="1" dirty="0"/>
-              <a:t>– </a:t>
-            </a:r>
-            <a:r>
-              <a:rPr lang="en-US" sz="1200" b="1" i="1" dirty="0"/>
-              <a:t>Genome Sciences Centre</a:t>
-            </a:r>
-            <a:r>
-              <a:rPr lang="en-US" sz="1200" dirty="0"/>
-              <a:t>, Vancouver </a:t>
-            </a:r>
-          </a:p>
-          <a:p>
-            <a:r>
-              <a:rPr lang="en-US" sz="1200" dirty="0" smtClean="0"/>
-              <a:t>Lead </a:t>
-            </a:r>
-            <a:r>
-              <a:rPr lang="en-US" sz="1200" dirty="0"/>
-              <a:t>bioinformatics R&amp;</a:t>
-            </a:r>
-            <a:r>
-              <a:rPr lang="en-US" sz="1200" dirty="0" smtClean="0"/>
-              <a:t>D</a:t>
-            </a:r>
-          </a:p>
-          <a:p>
-            <a:r>
-              <a:rPr lang="en-US" sz="1200" dirty="0" smtClean="0"/>
-              <a:t>Published </a:t>
-            </a:r>
-            <a:r>
-              <a:rPr lang="en-US" sz="1200" dirty="0"/>
-              <a:t>research (</a:t>
-            </a:r>
-            <a:r>
-              <a:rPr lang="en-US" sz="1200" dirty="0" smtClean="0"/>
-              <a:t>science </a:t>
-            </a:r>
-            <a:r>
-              <a:rPr lang="en-US" sz="1200" dirty="0"/>
-              <a:t>journals, </a:t>
-            </a:r>
-            <a:r>
-              <a:rPr lang="en-US" sz="1200" dirty="0" smtClean="0"/>
-              <a:t>conferences</a:t>
-            </a:r>
-            <a:r>
-              <a:rPr lang="en-US" sz="1200" dirty="0"/>
-              <a:t>)</a:t>
-            </a:r>
-          </a:p>
-          <a:p>
-            <a:pPr lvl="0" fontAlgn="base"/>
-            <a:r>
-              <a:rPr lang="en-US" sz="1200" dirty="0" smtClean="0"/>
-              <a:t>Interviewed</a:t>
-            </a:r>
-            <a:r>
-              <a:rPr lang="en-US" sz="1200" dirty="0"/>
-              <a:t>, taught, trained, supervised </a:t>
-            </a:r>
-            <a:r>
-              <a:rPr lang="en-US" sz="1200" dirty="0" smtClean="0"/>
-              <a:t>staff</a:t>
-            </a:r>
-          </a:p>
-          <a:p>
-            <a:pPr lvl="0" fontAlgn="base"/>
-            <a:endParaRPr lang="en-US" sz="1000" dirty="0"/>
-          </a:p>
-          <a:p>
-            <a:r>
-              <a:rPr lang="en-US" sz="1600" b="1" i="1" dirty="0" smtClean="0"/>
-              <a:t>Officer</a:t>
-            </a:r>
-            <a:endParaRPr lang="en-US" sz="1600" dirty="0"/>
-          </a:p>
-          <a:p>
-            <a:r>
-              <a:rPr lang="en-US" sz="1200" b="1" i="1" dirty="0" smtClean="0"/>
-              <a:t>NRC </a:t>
-            </a:r>
-            <a:r>
-              <a:rPr lang="en-US" sz="1200" b="1" dirty="0" smtClean="0"/>
-              <a:t>– </a:t>
-            </a:r>
-            <a:r>
-              <a:rPr lang="en-US" sz="1200" b="1" i="1" dirty="0" smtClean="0"/>
-              <a:t>Biotechnology </a:t>
-            </a:r>
-            <a:r>
-              <a:rPr lang="en-US" sz="1200" b="1" i="1" dirty="0"/>
-              <a:t>Research Institute</a:t>
-            </a:r>
-            <a:r>
-              <a:rPr lang="en-US" sz="1200" dirty="0"/>
-              <a:t>, Montréal</a:t>
-            </a:r>
-          </a:p>
-          <a:p>
-            <a:r>
-              <a:rPr lang="en-US" sz="1200" dirty="0" smtClean="0"/>
-              <a:t>Engineered </a:t>
-            </a:r>
-            <a:r>
-              <a:rPr lang="en-US" sz="1200" dirty="0"/>
-              <a:t>gene expression regulation technology </a:t>
-            </a:r>
-            <a:r>
-              <a:rPr lang="en-CA" sz="1200" dirty="0" smtClean="0"/>
-              <a:t>Designed</a:t>
-            </a:r>
-            <a:r>
-              <a:rPr lang="en-CA" sz="1200" dirty="0"/>
-              <a:t>, </a:t>
-            </a:r>
-            <a:r>
-              <a:rPr lang="en-CA" sz="1200" dirty="0" smtClean="0"/>
-              <a:t>fabricated, tested DNA </a:t>
-            </a:r>
-            <a:r>
-              <a:rPr lang="en-CA" sz="1200" dirty="0"/>
-              <a:t>“</a:t>
-            </a:r>
-            <a:r>
-              <a:rPr lang="en-US" sz="1200" dirty="0"/>
-              <a:t>gene switch”</a:t>
-            </a:r>
-          </a:p>
-          <a:p>
-            <a:pPr lvl="0" fontAlgn="base"/>
-            <a:r>
-              <a:rPr lang="en-CA" sz="1200" dirty="0" smtClean="0"/>
-              <a:t>Collaborated </a:t>
-            </a:r>
-            <a:r>
-              <a:rPr lang="en-CA" sz="1200" dirty="0"/>
-              <a:t>with stakeholders, </a:t>
-            </a:r>
-            <a:r>
-              <a:rPr lang="en-CA" sz="1200" dirty="0" smtClean="0"/>
-              <a:t>scientists</a:t>
-            </a:r>
-          </a:p>
-          <a:p>
-            <a:pPr lvl="0" fontAlgn="base"/>
-            <a:endParaRPr lang="en-CA" sz="1200" dirty="0" smtClean="0"/>
-          </a:p>
-          <a:p>
-            <a:pPr lvl="0" fontAlgn="base"/>
-            <a:endParaRPr lang="en-CA" sz="1200" dirty="0"/>
-          </a:p>
-          <a:p>
-            <a:r>
-              <a:rPr lang="en-US" b="1" dirty="0" smtClean="0"/>
-              <a:t> </a:t>
-            </a:r>
-            <a:endParaRPr lang="en-US" dirty="0"/>
-          </a:p>
-          <a:p>
-            <a:r>
-              <a:rPr lang="en-US" sz="1200" dirty="0"/>
-              <a:t> </a:t>
-            </a:r>
-          </a:p>
-          <a:p>
-            <a:r>
-              <a:rPr lang="en-US" sz="1600" b="1" dirty="0" smtClean="0"/>
-              <a:t>Certificate</a:t>
-            </a:r>
-            <a:r>
-              <a:rPr lang="en-US" sz="1200" b="1" dirty="0" smtClean="0"/>
-              <a:t> </a:t>
-            </a:r>
-            <a:r>
-              <a:rPr lang="en-US" sz="1200" dirty="0" smtClean="0"/>
-              <a:t>Computer Science     </a:t>
-            </a:r>
-            <a:r>
-              <a:rPr lang="en-US" sz="1200" b="1" dirty="0" smtClean="0"/>
-              <a:t>| </a:t>
-            </a:r>
-            <a:r>
-              <a:rPr lang="en-US" sz="1200" b="1" dirty="0"/>
-              <a:t>Concordia </a:t>
-            </a:r>
-            <a:r>
-              <a:rPr lang="en-US" sz="1200" b="1" dirty="0" smtClean="0"/>
-              <a:t>U.</a:t>
-            </a:r>
-            <a:endParaRPr lang="en-US" sz="1200" dirty="0"/>
-          </a:p>
-          <a:p>
-            <a:endParaRPr lang="en-US" sz="1000" b="1" dirty="0" smtClean="0"/>
-          </a:p>
-          <a:p>
-            <a:endParaRPr lang="en-US" sz="1000" b="1" dirty="0" smtClean="0"/>
-          </a:p>
-          <a:p>
-            <a:r>
-              <a:rPr lang="en-US" sz="1600" b="1" dirty="0" smtClean="0"/>
-              <a:t>MSc </a:t>
-            </a:r>
-            <a:r>
-              <a:rPr lang="en-US" sz="1200" dirty="0"/>
-              <a:t>Biochemistry &amp; Molecular </a:t>
-            </a:r>
-            <a:r>
-              <a:rPr lang="en-US" sz="1200" dirty="0" smtClean="0"/>
-              <a:t>Biology   </a:t>
-            </a:r>
-            <a:r>
-              <a:rPr lang="en-US" sz="1200" dirty="0" smtClean="0"/>
-              <a:t>   </a:t>
-            </a:r>
-            <a:r>
-              <a:rPr lang="en-US" sz="1200" b="1" dirty="0" smtClean="0"/>
-              <a:t> </a:t>
-            </a:r>
-            <a:r>
-              <a:rPr lang="en-US" sz="1200" b="1" dirty="0" smtClean="0"/>
-              <a:t>|</a:t>
-            </a:r>
-            <a:r>
-              <a:rPr lang="en-US" sz="1200" dirty="0" smtClean="0"/>
-              <a:t> </a:t>
-            </a:r>
-            <a:r>
-              <a:rPr lang="en-US" sz="1200" b="1" dirty="0"/>
-              <a:t>UBC</a:t>
-            </a:r>
-            <a:endParaRPr lang="en-US" sz="1200" dirty="0"/>
-          </a:p>
-          <a:p>
-            <a:r>
-              <a:rPr lang="en-US" sz="1000" dirty="0" smtClean="0"/>
-              <a:t>         </a:t>
-            </a:r>
-          </a:p>
-          <a:p>
-            <a:endParaRPr lang="en-US" sz="1000" dirty="0"/>
-          </a:p>
-          <a:p>
-            <a:r>
-              <a:rPr lang="en-US" sz="1600" b="1" dirty="0" smtClean="0"/>
-              <a:t>BSc  </a:t>
-            </a:r>
-            <a:r>
-              <a:rPr lang="en-US" sz="1200" b="1" dirty="0" smtClean="0"/>
-              <a:t> </a:t>
-            </a:r>
-            <a:r>
-              <a:rPr lang="en-US" sz="1200" dirty="0" smtClean="0"/>
-              <a:t>Biochemistry</a:t>
-            </a:r>
-            <a:r>
-              <a:rPr lang="en-US" sz="1200" b="1" dirty="0" smtClean="0"/>
-              <a:t> </a:t>
-            </a:r>
-            <a:r>
-              <a:rPr lang="en-US" sz="1200" i="1" dirty="0" smtClean="0"/>
-              <a:t>(</a:t>
-            </a:r>
-            <a:r>
-              <a:rPr lang="en-US" sz="1200" i="1" dirty="0" err="1" smtClean="0"/>
-              <a:t>Honours</a:t>
-            </a:r>
-            <a:r>
-              <a:rPr lang="en-US" sz="1200" i="1" dirty="0" smtClean="0"/>
-              <a:t>)    </a:t>
-            </a:r>
-            <a:r>
-              <a:rPr lang="en-US" sz="1200" i="1" dirty="0" smtClean="0"/>
-              <a:t> </a:t>
-            </a:r>
-            <a:r>
-              <a:rPr lang="en-US" sz="1200" b="1" dirty="0" smtClean="0"/>
-              <a:t>|</a:t>
-            </a:r>
-            <a:r>
-              <a:rPr lang="en-US" sz="1200" dirty="0" smtClean="0"/>
-              <a:t> </a:t>
-            </a:r>
-            <a:r>
-              <a:rPr lang="en-US" sz="1200" b="1" dirty="0" smtClean="0"/>
-              <a:t>U. </a:t>
-            </a:r>
-            <a:r>
-              <a:rPr lang="en-US" sz="1200" b="1" dirty="0"/>
-              <a:t>de Montréal</a:t>
-            </a:r>
-            <a:endParaRPr lang="en-US" sz="1200" dirty="0"/>
-          </a:p>
-          <a:p>
-            <a:pPr lvl="0" fontAlgn="base"/>
-            <a:endParaRPr lang="en-US" sz="1200" dirty="0"/>
-          </a:p>
-        </p:txBody>
-      </p:sp>
       <p:cxnSp>
         <p:nvCxnSpPr>
           <p:cNvPr id="22" name="Straight Connector 21"/>
@@ -4574,7 +4704,7 @@
         </p:nvCxnSpPr>
         <p:spPr>
           <a:xfrm>
-            <a:off x="3258447" y="4015939"/>
+            <a:off x="3268100" y="4015939"/>
             <a:ext cx="190500" cy="0"/>
           </a:xfrm>
           <a:prstGeom prst="line">
@@ -4610,7 +4740,7 @@
         </p:nvSpPr>
         <p:spPr>
           <a:xfrm rot="16200000">
-            <a:off x="2839144" y="3427495"/>
+            <a:off x="2851972" y="3427495"/>
             <a:ext cx="1013544" cy="276999"/>
           </a:xfrm>
           <a:prstGeom prst="rect">
@@ -4640,7 +4770,7 @@
         </p:nvCxnSpPr>
         <p:spPr>
           <a:xfrm>
-            <a:off x="3258447" y="5133520"/>
+            <a:off x="3268100" y="5133520"/>
             <a:ext cx="190500" cy="0"/>
           </a:xfrm>
           <a:prstGeom prst="line">
@@ -4676,7 +4806,7 @@
         </p:nvSpPr>
         <p:spPr>
           <a:xfrm rot="16200000">
-            <a:off x="2918040" y="4612324"/>
+            <a:off x="2930868" y="4612324"/>
             <a:ext cx="855748" cy="276999"/>
           </a:xfrm>
           <a:prstGeom prst="rect">
@@ -4706,7 +4836,7 @@
         </p:nvCxnSpPr>
         <p:spPr>
           <a:xfrm>
-            <a:off x="3258447" y="7281053"/>
+            <a:off x="3268100" y="7281053"/>
             <a:ext cx="190500" cy="0"/>
           </a:xfrm>
           <a:prstGeom prst="line">
@@ -4742,7 +4872,7 @@
         </p:nvSpPr>
         <p:spPr>
           <a:xfrm rot="16200000">
-            <a:off x="3097588" y="6928469"/>
+            <a:off x="3110416" y="6928469"/>
             <a:ext cx="496650" cy="276999"/>
           </a:xfrm>
           <a:prstGeom prst="rect">
@@ -4772,7 +4902,7 @@
         </p:nvCxnSpPr>
         <p:spPr>
           <a:xfrm>
-            <a:off x="3258447" y="7831374"/>
+            <a:off x="3268100" y="7831374"/>
             <a:ext cx="190500" cy="0"/>
           </a:xfrm>
           <a:prstGeom prst="line">
@@ -4808,7 +4938,7 @@
         </p:nvSpPr>
         <p:spPr>
           <a:xfrm rot="16200000">
-            <a:off x="3097588" y="7491489"/>
+            <a:off x="3110416" y="7491489"/>
             <a:ext cx="496650" cy="276999"/>
           </a:xfrm>
           <a:prstGeom prst="rect">
@@ -4838,7 +4968,7 @@
         </p:nvCxnSpPr>
         <p:spPr>
           <a:xfrm>
-            <a:off x="3258447" y="8394397"/>
+            <a:off x="3268100" y="8394397"/>
             <a:ext cx="190500" cy="0"/>
           </a:xfrm>
           <a:prstGeom prst="line">
@@ -4874,7 +5004,7 @@
         </p:nvSpPr>
         <p:spPr>
           <a:xfrm rot="16200000">
-            <a:off x="3097588" y="8059956"/>
+            <a:off x="3110416" y="8059956"/>
             <a:ext cx="496650" cy="276999"/>
           </a:xfrm>
           <a:prstGeom prst="rect">
@@ -4904,7 +5034,7 @@
         </p:nvCxnSpPr>
         <p:spPr>
           <a:xfrm>
-            <a:off x="3258447" y="6263587"/>
+            <a:off x="3268100" y="6263587"/>
             <a:ext cx="190500" cy="0"/>
           </a:xfrm>
           <a:prstGeom prst="line">
@@ -4940,7 +5070,7 @@
         </p:nvSpPr>
         <p:spPr>
           <a:xfrm rot="16200000">
-            <a:off x="2918040" y="5742924"/>
+            <a:off x="2930868" y="5742924"/>
             <a:ext cx="855748" cy="276999"/>
           </a:xfrm>
           <a:prstGeom prst="rect">
@@ -4970,8 +5100,8 @@
         </p:nvSpPr>
         <p:spPr>
           <a:xfrm>
-            <a:off x="44451" y="8807587"/>
-            <a:ext cx="6756400" cy="276999"/>
+            <a:off x="89796" y="8790027"/>
+            <a:ext cx="6702552" cy="276999"/>
           </a:xfrm>
           <a:prstGeom prst="rect">
             <a:avLst/>
@@ -5019,7 +5149,7 @@
         </p:nvSpPr>
         <p:spPr>
           <a:xfrm>
-            <a:off x="-93135" y="8616444"/>
+            <a:off x="-46692" y="8603615"/>
             <a:ext cx="7061201" cy="230832"/>
           </a:xfrm>
           <a:prstGeom prst="rect">
@@ -5058,7 +5188,15 @@
               <a:t>, </a:t>
             </a:r>
             <a:r>
-              <a:rPr lang="de-DE" sz="900" i="1" dirty="0" err="1"/>
+              <a:rPr lang="de-DE" sz="900" i="1" dirty="0" err="1" smtClean="0"/>
+              <a:t>Git</a:t>
+            </a:r>
+            <a:r>
+              <a:rPr lang="de-DE" sz="900" i="1" dirty="0" smtClean="0"/>
+              <a:t>, </a:t>
+            </a:r>
+            <a:r>
+              <a:rPr lang="de-DE" sz="900" i="1" dirty="0" err="1" smtClean="0"/>
               <a:t>unix</a:t>
             </a:r>
             <a:r>
@@ -5084,18 +5222,6 @@
             <a:r>
               <a:rPr lang="de-DE" sz="900" i="1" dirty="0" err="1" smtClean="0"/>
               <a:t>MSoffice</a:t>
-            </a:r>
-            <a:r>
-              <a:rPr lang="de-DE" sz="900" i="1" dirty="0"/>
-              <a:t>, </a:t>
-            </a:r>
-            <a:r>
-              <a:rPr lang="de-DE" sz="900" i="1" dirty="0" err="1" smtClean="0"/>
-              <a:t>Git</a:t>
-            </a:r>
-            <a:r>
-              <a:rPr lang="de-DE" sz="900" i="1" dirty="0" smtClean="0"/>
-              <a:t> </a:t>
             </a:r>
             <a:r>
               <a:rPr lang="de-DE" sz="900" i="1" dirty="0" smtClean="0"/>
@@ -5149,14 +5275,17 @@
         </p:nvSpPr>
         <p:spPr>
           <a:xfrm>
-            <a:off x="82550" y="2669198"/>
-            <a:ext cx="3375026" cy="369332"/>
+            <a:off x="88900" y="2669198"/>
+            <a:ext cx="3362453" cy="369332"/>
           </a:xfrm>
           <a:prstGeom prst="rect">
             <a:avLst/>
           </a:prstGeom>
           <a:solidFill>
-            <a:schemeClr val="tx1"/>
+            <a:schemeClr val="tx1">
+              <a:lumMod val="75000"/>
+              <a:lumOff val="25000"/>
+            </a:schemeClr>
           </a:solidFill>
         </p:spPr>
         <p:txBody>
@@ -5190,14 +5319,17 @@
         </p:nvSpPr>
         <p:spPr>
           <a:xfrm>
-            <a:off x="3443815" y="2669198"/>
-            <a:ext cx="3342217" cy="369332"/>
+            <a:off x="3473578" y="2669198"/>
+            <a:ext cx="3317747" cy="369332"/>
           </a:xfrm>
           <a:prstGeom prst="rect">
             <a:avLst/>
           </a:prstGeom>
           <a:solidFill>
-            <a:schemeClr val="tx1"/>
+            <a:schemeClr val="tx1">
+              <a:lumMod val="75000"/>
+              <a:lumOff val="25000"/>
+            </a:schemeClr>
           </a:solidFill>
         </p:spPr>
         <p:txBody>
@@ -5214,129 +5346,6 @@
                 </a:solidFill>
               </a:rPr>
               <a:t>ACCOLADES</a:t>
-            </a:r>
-            <a:endParaRPr lang="en-US" dirty="0">
-              <a:solidFill>
-                <a:srgbClr val="FFFFFF"/>
-              </a:solidFill>
-            </a:endParaRPr>
-          </a:p>
-        </p:txBody>
-      </p:sp>
-      <p:sp>
-        <p:nvSpPr>
-          <p:cNvPr id="39" name="Rectangle 38"/>
-          <p:cNvSpPr/>
-          <p:nvPr/>
-        </p:nvSpPr>
-        <p:spPr>
-          <a:xfrm>
-            <a:off x="3441701" y="4421798"/>
-            <a:ext cx="3346450" cy="369332"/>
-          </a:xfrm>
-          <a:prstGeom prst="rect">
-            <a:avLst/>
-          </a:prstGeom>
-          <a:solidFill>
-            <a:schemeClr val="tx1"/>
-          </a:solidFill>
-        </p:spPr>
-        <p:txBody>
-          <a:bodyPr wrap="square">
-            <a:spAutoFit/>
-          </a:bodyPr>
-          <a:lstStyle/>
-          <a:p>
-            <a:pPr algn="ctr"/>
-            <a:r>
-              <a:rPr lang="en-US" dirty="0" smtClean="0">
-                <a:solidFill>
-                  <a:srgbClr val="FFFFFF"/>
-                </a:solidFill>
-              </a:rPr>
-              <a:t>PRESENTATIONS</a:t>
-            </a:r>
-            <a:endParaRPr lang="en-US" dirty="0">
-              <a:solidFill>
-                <a:srgbClr val="FFFFFF"/>
-              </a:solidFill>
-            </a:endParaRPr>
-          </a:p>
-        </p:txBody>
-      </p:sp>
-      <p:sp>
-        <p:nvSpPr>
-          <p:cNvPr id="41" name="Rectangle 40"/>
-          <p:cNvSpPr/>
-          <p:nvPr/>
-        </p:nvSpPr>
-        <p:spPr>
-          <a:xfrm>
-            <a:off x="3441701" y="5908446"/>
-            <a:ext cx="3346450" cy="369332"/>
-          </a:xfrm>
-          <a:prstGeom prst="rect">
-            <a:avLst/>
-          </a:prstGeom>
-          <a:solidFill>
-            <a:schemeClr val="tx1"/>
-          </a:solidFill>
-        </p:spPr>
-        <p:txBody>
-          <a:bodyPr wrap="square">
-            <a:spAutoFit/>
-          </a:bodyPr>
-          <a:lstStyle/>
-          <a:p>
-            <a:pPr algn="ctr"/>
-            <a:r>
-              <a:rPr lang="en-US" dirty="0" smtClean="0">
-                <a:solidFill>
-                  <a:srgbClr val="FFFFFF"/>
-                </a:solidFill>
-              </a:rPr>
-              <a:t>PUBLICATIONS</a:t>
-            </a:r>
-            <a:endParaRPr lang="en-US" dirty="0">
-              <a:solidFill>
-                <a:srgbClr val="FFFFFF"/>
-              </a:solidFill>
-            </a:endParaRPr>
-          </a:p>
-        </p:txBody>
-      </p:sp>
-      <p:sp>
-        <p:nvSpPr>
-          <p:cNvPr id="42" name="Rectangle 41"/>
-          <p:cNvSpPr/>
-          <p:nvPr/>
-        </p:nvSpPr>
-        <p:spPr>
-          <a:xfrm>
-            <a:off x="82549" y="6504597"/>
-            <a:ext cx="3365501" cy="369332"/>
-          </a:xfrm>
-          <a:prstGeom prst="rect">
-            <a:avLst/>
-          </a:prstGeom>
-          <a:solidFill>
-            <a:schemeClr val="tx1"/>
-          </a:solidFill>
-        </p:spPr>
-        <p:txBody>
-          <a:bodyPr wrap="square">
-            <a:spAutoFit/>
-          </a:bodyPr>
-          <a:lstStyle/>
-          <a:p>
-            <a:pPr algn="ctr"/>
-            <a:r>
-              <a:rPr lang="en-US" dirty="0" smtClean="0">
-                <a:solidFill>
-                  <a:srgbClr val="FFFFFF"/>
-                </a:solidFill>
-              </a:rPr>
-              <a:t>EDUCATION</a:t>
             </a:r>
             <a:endParaRPr lang="en-US" dirty="0">
               <a:solidFill>

--- a/cv/CV_RWARREN_PPT2.pptx
+++ b/cv/CV_RWARREN_PPT2.pptx
@@ -3206,7 +3206,7 @@
             <a:pPr lvl="0" fontAlgn="base"/>
             <a:r>
               <a:rPr lang="en-US" sz="1600" b="1" i="1" dirty="0" smtClean="0"/>
-              <a:t>Coordinator </a:t>
+              <a:t>Bioinformatics Coordinator </a:t>
             </a:r>
             <a:endParaRPr lang="en-US" sz="1600" dirty="0"/>
           </a:p>
@@ -3290,7 +3290,7 @@
           <a:p>
             <a:r>
               <a:rPr lang="en-US" sz="1600" b="1" i="1" dirty="0" smtClean="0"/>
-              <a:t>Officer</a:t>
+              <a:t>Technical Officer</a:t>
             </a:r>
             <a:endParaRPr lang="en-US" sz="1600" dirty="0"/>
           </a:p>
@@ -3513,7 +3513,7 @@
         <p:spPr>
           <a:xfrm>
             <a:off x="3469042" y="2723235"/>
-            <a:ext cx="3365500" cy="6140142"/>
+            <a:ext cx="3365500" cy="3801040"/>
           </a:xfrm>
           <a:prstGeom prst="rect">
             <a:avLst/>
@@ -3860,243 +3860,16 @@
             <a:pPr algn="r"/>
             <a:r>
               <a:rPr lang="en-US" sz="1100" i="1" dirty="0" smtClean="0"/>
-              <a:t>61 peer-reviewed [23 lead author], *co-first</a:t>
-            </a:r>
-            <a:endParaRPr lang="en-US" sz="1100" dirty="0"/>
-          </a:p>
-          <a:p>
-            <a:pPr algn="r"/>
-            <a:endParaRPr lang="en-US" sz="1000" dirty="0" smtClean="0"/>
-          </a:p>
-          <a:p>
-            <a:pPr algn="r"/>
-            <a:r>
-              <a:rPr lang="en-US" sz="1000" b="1" dirty="0" smtClean="0"/>
-              <a:t>Warren RL</a:t>
-            </a:r>
-            <a:r>
-              <a:rPr lang="en-US" sz="1000" dirty="0" smtClean="0"/>
-              <a:t>,</a:t>
-            </a:r>
-            <a:r>
-              <a:rPr lang="en-US" sz="1000" b="1" dirty="0" smtClean="0"/>
-              <a:t> </a:t>
-            </a:r>
-            <a:r>
-              <a:rPr lang="en-US" sz="1000" i="1" dirty="0" smtClean="0"/>
-              <a:t>et al.</a:t>
-            </a:r>
-            <a:r>
-              <a:rPr lang="en-US" sz="1000" b="1" dirty="0" smtClean="0"/>
-              <a:t> </a:t>
-            </a:r>
-            <a:r>
-              <a:rPr lang="en-US" sz="1000" dirty="0" smtClean="0"/>
-              <a:t>2019. </a:t>
-            </a:r>
-            <a:r>
-              <a:rPr lang="en-US" sz="1000" dirty="0" err="1" smtClean="0"/>
-              <a:t>ntEdit</a:t>
-            </a:r>
-            <a:r>
-              <a:rPr lang="en-US" sz="1000" dirty="0" smtClean="0"/>
-              <a:t>: scalable genome sequence polishing. </a:t>
-            </a:r>
-            <a:r>
-              <a:rPr lang="en-US" sz="1000" i="1" dirty="0" smtClean="0"/>
-              <a:t>Bioinformatics. </a:t>
-            </a:r>
-            <a:r>
-              <a:rPr lang="en-US" sz="1000" dirty="0"/>
-              <a:t>b</a:t>
-            </a:r>
-            <a:r>
-              <a:rPr lang="en-US" sz="1000" dirty="0" smtClean="0"/>
-              <a:t>tz400</a:t>
-            </a:r>
-            <a:endParaRPr lang="en-US" sz="1000" dirty="0"/>
-          </a:p>
-          <a:p>
-            <a:pPr algn="r"/>
-            <a:r>
-              <a:rPr lang="en-US" sz="600" b="1" dirty="0" smtClean="0"/>
-              <a:t> </a:t>
-            </a:r>
-            <a:endParaRPr lang="en-US" sz="600" dirty="0" smtClean="0"/>
-          </a:p>
-          <a:p>
-            <a:pPr algn="r"/>
-            <a:r>
-              <a:rPr lang="en-US" sz="1000" b="1" dirty="0" smtClean="0"/>
-              <a:t>Warren RL</a:t>
-            </a:r>
-            <a:r>
-              <a:rPr lang="en-US" sz="1000" dirty="0" smtClean="0"/>
-              <a:t>,</a:t>
-            </a:r>
-            <a:r>
-              <a:rPr lang="en-US" sz="1000" b="1" dirty="0" smtClean="0"/>
-              <a:t> </a:t>
-            </a:r>
-            <a:r>
-              <a:rPr lang="en-US" sz="1000" i="1" dirty="0" smtClean="0"/>
-              <a:t>et al.</a:t>
-            </a:r>
-            <a:r>
-              <a:rPr lang="en-US" sz="1000" dirty="0" smtClean="0"/>
-              <a:t> 2015. LINKS: scalable scaffolding of genomes with long reads.</a:t>
-            </a:r>
-            <a:r>
-              <a:rPr lang="en-US" sz="1000" b="1" dirty="0" smtClean="0"/>
-              <a:t> </a:t>
-            </a:r>
-            <a:r>
-              <a:rPr lang="en-US" sz="1000" i="1" dirty="0" err="1" smtClean="0"/>
-              <a:t>GigaScience</a:t>
-            </a:r>
-            <a:r>
-              <a:rPr lang="en-US" sz="1000" i="1" dirty="0" smtClean="0"/>
-              <a:t> </a:t>
-            </a:r>
-            <a:r>
-              <a:rPr lang="en-US" sz="1000" dirty="0" smtClean="0"/>
-              <a:t>4:35 </a:t>
-            </a:r>
-          </a:p>
-          <a:p>
-            <a:pPr algn="r"/>
-            <a:r>
-              <a:rPr lang="en-US" sz="600" b="1" dirty="0" smtClean="0"/>
-              <a:t> </a:t>
-            </a:r>
-            <a:endParaRPr lang="en-US" sz="600" dirty="0" smtClean="0"/>
-          </a:p>
-          <a:p>
-            <a:pPr algn="r"/>
-            <a:r>
-              <a:rPr lang="en-US" sz="1000" b="1" dirty="0" smtClean="0"/>
-              <a:t>Warren RL</a:t>
-            </a:r>
-            <a:r>
-              <a:rPr lang="en-US" sz="1000" dirty="0" smtClean="0"/>
-              <a:t>,</a:t>
-            </a:r>
-            <a:r>
-              <a:rPr lang="en-US" sz="1000" b="1" dirty="0" smtClean="0"/>
-              <a:t> </a:t>
-            </a:r>
-            <a:r>
-              <a:rPr lang="en-US" sz="1000" i="1" dirty="0" smtClean="0"/>
-              <a:t>et al.</a:t>
-            </a:r>
-            <a:r>
-              <a:rPr lang="en-US" sz="1000" b="1" dirty="0" smtClean="0"/>
-              <a:t> </a:t>
-            </a:r>
-            <a:r>
-              <a:rPr lang="en-US" sz="1000" dirty="0" smtClean="0"/>
-              <a:t>2012. Derivation of HLA types from shotgun sequence datasets. </a:t>
-            </a:r>
-            <a:r>
-              <a:rPr lang="en-US" sz="1000" i="1" dirty="0" smtClean="0"/>
-              <a:t>Genome Med.</a:t>
-            </a:r>
-            <a:r>
-              <a:rPr lang="en-US" sz="1000" dirty="0" smtClean="0"/>
-              <a:t> 4:95</a:t>
-            </a:r>
-          </a:p>
-          <a:p>
-            <a:pPr algn="r"/>
-            <a:r>
-              <a:rPr lang="en-US" sz="600" dirty="0" smtClean="0"/>
-              <a:t> </a:t>
-            </a:r>
-          </a:p>
-          <a:p>
-            <a:pPr algn="r"/>
-            <a:r>
-              <a:rPr lang="en-US" sz="1000" dirty="0" err="1" smtClean="0"/>
-              <a:t>Castellarin</a:t>
-            </a:r>
-            <a:r>
-              <a:rPr lang="en-US" sz="1000" dirty="0" smtClean="0"/>
-              <a:t> M*,</a:t>
-            </a:r>
-            <a:r>
-              <a:rPr lang="en-US" sz="1000" b="1" dirty="0" smtClean="0"/>
-              <a:t> Warren RL*</a:t>
-            </a:r>
-            <a:r>
-              <a:rPr lang="en-US" sz="1000" dirty="0" smtClean="0"/>
-              <a:t>, </a:t>
-            </a:r>
-            <a:r>
-              <a:rPr lang="en-US" sz="1000" i="1" dirty="0" smtClean="0"/>
-              <a:t>et al.</a:t>
-            </a:r>
-            <a:r>
-              <a:rPr lang="en-US" sz="1000" dirty="0" smtClean="0"/>
-              <a:t> 2012. </a:t>
-            </a:r>
-            <a:r>
-              <a:rPr lang="en-US" sz="1000" i="1" dirty="0" err="1" smtClean="0"/>
-              <a:t>Fusobacterium</a:t>
-            </a:r>
-            <a:r>
-              <a:rPr lang="en-US" sz="1000" dirty="0" smtClean="0"/>
-              <a:t> in colorectal carcinoma. </a:t>
-            </a:r>
-            <a:r>
-              <a:rPr lang="en-US" sz="1000" i="1" dirty="0" smtClean="0"/>
-              <a:t>Genome Res</a:t>
-            </a:r>
-            <a:r>
-              <a:rPr lang="en-US" sz="1000" dirty="0" smtClean="0"/>
-              <a:t>. 22:299 </a:t>
-            </a:r>
-          </a:p>
-          <a:p>
-            <a:pPr algn="r"/>
-            <a:r>
-              <a:rPr lang="en-US" sz="600" b="1" dirty="0" smtClean="0"/>
-              <a:t> </a:t>
-            </a:r>
-            <a:endParaRPr lang="en-US" sz="600" dirty="0" smtClean="0"/>
-          </a:p>
-          <a:p>
-            <a:pPr algn="r"/>
-            <a:r>
-              <a:rPr lang="en-US" sz="1000" b="1" dirty="0" smtClean="0"/>
-              <a:t>Warren RL</a:t>
-            </a:r>
-            <a:r>
-              <a:rPr lang="en-US" sz="1000" dirty="0" smtClean="0"/>
-              <a:t>, </a:t>
-            </a:r>
-            <a:r>
-              <a:rPr lang="en-US" sz="1000" i="1" dirty="0" smtClean="0"/>
-              <a:t>et al.</a:t>
-            </a:r>
-            <a:r>
-              <a:rPr lang="en-US" sz="1000" dirty="0" smtClean="0"/>
-              <a:t> 2007. Assembling millions of short DNA sequences using SSAKE. </a:t>
-            </a:r>
-            <a:r>
-              <a:rPr lang="en-US" sz="1000" i="1" dirty="0" err="1" smtClean="0"/>
-              <a:t>Bioinfo</a:t>
-            </a:r>
-            <a:r>
-              <a:rPr lang="en-US" sz="1000" i="1" dirty="0" smtClean="0"/>
-              <a:t>.</a:t>
-            </a:r>
-            <a:r>
-              <a:rPr lang="en-US" sz="1000" dirty="0" smtClean="0"/>
-              <a:t> 23:500</a:t>
-            </a:r>
-          </a:p>
-          <a:p>
-            <a:pPr algn="r"/>
+              <a:t>Selected from 61 </a:t>
+            </a:r>
+            <a:r>
+              <a:rPr lang="en-US" sz="1100" i="1" dirty="0" smtClean="0"/>
+              <a:t>peer-reviewed [23 </a:t>
+            </a:r>
+            <a:r>
+              <a:rPr lang="en-US" sz="1100" i="1" dirty="0" smtClean="0"/>
+              <a:t>lead author]</a:t>
+            </a:r>
             <a:r>
               <a:rPr lang="fr-FR" sz="1000" dirty="0" smtClean="0"/>
               <a:t> </a:t>
@@ -4121,8 +3894,8 @@
           </a:prstGeom>
           <a:solidFill>
             <a:schemeClr val="tx1">
-              <a:lumMod val="75000"/>
-              <a:lumOff val="25000"/>
+              <a:lumMod val="85000"/>
+              <a:lumOff val="15000"/>
             </a:schemeClr>
           </a:solidFill>
         </p:spPr>
@@ -4165,8 +3938,8 @@
           </a:prstGeom>
           <a:solidFill>
             <a:schemeClr val="tx1">
-              <a:lumMod val="75000"/>
-              <a:lumOff val="25000"/>
+              <a:lumMod val="85000"/>
+              <a:lumOff val="15000"/>
             </a:schemeClr>
           </a:solidFill>
         </p:spPr>
@@ -4209,8 +3982,8 @@
           </a:prstGeom>
           <a:solidFill>
             <a:schemeClr val="tx1">
-              <a:lumMod val="75000"/>
-              <a:lumOff val="25000"/>
+              <a:lumMod val="85000"/>
+              <a:lumOff val="15000"/>
             </a:schemeClr>
           </a:solidFill>
         </p:spPr>
@@ -5283,8 +5056,8 @@
           </a:prstGeom>
           <a:solidFill>
             <a:schemeClr val="tx1">
-              <a:lumMod val="75000"/>
-              <a:lumOff val="25000"/>
+              <a:lumMod val="85000"/>
+              <a:lumOff val="15000"/>
             </a:schemeClr>
           </a:solidFill>
         </p:spPr>
@@ -5327,8 +5100,8 @@
           </a:prstGeom>
           <a:solidFill>
             <a:schemeClr val="tx1">
-              <a:lumMod val="75000"/>
-              <a:lumOff val="25000"/>
+              <a:lumMod val="85000"/>
+              <a:lumOff val="15000"/>
             </a:schemeClr>
           </a:solidFill>
         </p:spPr>
@@ -5352,6 +5125,258 @@
                 <a:srgbClr val="FFFFFF"/>
               </a:solidFill>
             </a:endParaRPr>
+          </a:p>
+        </p:txBody>
+      </p:sp>
+      <p:sp>
+        <p:nvSpPr>
+          <p:cNvPr id="40" name="Rectangle 39"/>
+          <p:cNvSpPr/>
+          <p:nvPr/>
+        </p:nvSpPr>
+        <p:spPr>
+          <a:xfrm>
+            <a:off x="3530984" y="6531955"/>
+            <a:ext cx="3365500" cy="2154436"/>
+          </a:xfrm>
+          <a:prstGeom prst="rect">
+            <a:avLst/>
+          </a:prstGeom>
+        </p:spPr>
+        <p:txBody>
+          <a:bodyPr wrap="square">
+            <a:spAutoFit/>
+          </a:bodyPr>
+          <a:lstStyle/>
+          <a:p>
+            <a:r>
+              <a:rPr lang="en-US" sz="1000" b="1" dirty="0" smtClean="0"/>
+              <a:t>Warren </a:t>
+            </a:r>
+            <a:r>
+              <a:rPr lang="en-US" sz="1000" b="1" dirty="0" smtClean="0"/>
+              <a:t>RL</a:t>
+            </a:r>
+            <a:r>
+              <a:rPr lang="en-US" sz="1000" dirty="0" smtClean="0"/>
+              <a:t>,</a:t>
+            </a:r>
+            <a:r>
+              <a:rPr lang="en-US" sz="1000" b="1" dirty="0" smtClean="0"/>
+              <a:t> </a:t>
+            </a:r>
+            <a:r>
+              <a:rPr lang="en-US" sz="1000" i="1" dirty="0" smtClean="0"/>
+              <a:t>et al.</a:t>
+            </a:r>
+            <a:r>
+              <a:rPr lang="en-US" sz="1000" b="1" dirty="0" smtClean="0"/>
+              <a:t> </a:t>
+            </a:r>
+            <a:r>
+              <a:rPr lang="en-US" sz="1000" dirty="0" smtClean="0"/>
+              <a:t>2019. </a:t>
+            </a:r>
+            <a:r>
+              <a:rPr lang="en-US" sz="1000" dirty="0" err="1" smtClean="0"/>
+              <a:t>ntEdit</a:t>
+            </a:r>
+            <a:r>
+              <a:rPr lang="en-US" sz="1000" dirty="0" smtClean="0"/>
+              <a:t>: scalable genome sequence polishing. </a:t>
+            </a:r>
+            <a:r>
+              <a:rPr lang="en-US" sz="1000" i="1" dirty="0" smtClean="0"/>
+              <a:t>Bioinformatics. </a:t>
+            </a:r>
+            <a:r>
+              <a:rPr lang="en-US" sz="1000" dirty="0"/>
+              <a:t>b</a:t>
+            </a:r>
+            <a:r>
+              <a:rPr lang="en-US" sz="1000" dirty="0" smtClean="0"/>
+              <a:t>tz400</a:t>
+            </a:r>
+            <a:endParaRPr lang="en-US" sz="1000" dirty="0"/>
+          </a:p>
+          <a:p>
+            <a:r>
+              <a:rPr lang="en-US" sz="600" b="1" dirty="0" smtClean="0"/>
+              <a:t> </a:t>
+            </a:r>
+            <a:endParaRPr lang="en-US" sz="600" dirty="0" smtClean="0"/>
+          </a:p>
+          <a:p>
+            <a:r>
+              <a:rPr lang="en-US" sz="1000" b="1" dirty="0" smtClean="0"/>
+              <a:t>Warren RL</a:t>
+            </a:r>
+            <a:r>
+              <a:rPr lang="en-US" sz="1000" dirty="0" smtClean="0"/>
+              <a:t>,</a:t>
+            </a:r>
+            <a:r>
+              <a:rPr lang="en-US" sz="1000" b="1" dirty="0" smtClean="0"/>
+              <a:t> </a:t>
+            </a:r>
+            <a:r>
+              <a:rPr lang="en-US" sz="1000" i="1" dirty="0" smtClean="0"/>
+              <a:t>et al.</a:t>
+            </a:r>
+            <a:r>
+              <a:rPr lang="en-US" sz="1000" dirty="0" smtClean="0"/>
+              <a:t> 2015. LINKS: scalable scaffolding of genomes with long reads.</a:t>
+            </a:r>
+            <a:r>
+              <a:rPr lang="en-US" sz="1000" b="1" dirty="0" smtClean="0"/>
+              <a:t> </a:t>
+            </a:r>
+            <a:r>
+              <a:rPr lang="en-US" sz="1000" i="1" dirty="0" err="1" smtClean="0"/>
+              <a:t>GigaScience</a:t>
+            </a:r>
+            <a:r>
+              <a:rPr lang="en-US" sz="1000" i="1" dirty="0" smtClean="0"/>
+              <a:t> </a:t>
+            </a:r>
+            <a:r>
+              <a:rPr lang="en-US" sz="1000" dirty="0" smtClean="0"/>
+              <a:t>4:35 </a:t>
+            </a:r>
+          </a:p>
+          <a:p>
+            <a:r>
+              <a:rPr lang="en-US" sz="600" b="1" dirty="0" smtClean="0"/>
+              <a:t> </a:t>
+            </a:r>
+            <a:endParaRPr lang="en-US" sz="600" dirty="0" smtClean="0"/>
+          </a:p>
+          <a:p>
+            <a:r>
+              <a:rPr lang="en-US" sz="1000" b="1" dirty="0" smtClean="0"/>
+              <a:t>Warren RL</a:t>
+            </a:r>
+            <a:r>
+              <a:rPr lang="en-US" sz="1000" dirty="0" smtClean="0"/>
+              <a:t>,</a:t>
+            </a:r>
+            <a:r>
+              <a:rPr lang="en-US" sz="1000" b="1" dirty="0" smtClean="0"/>
+              <a:t> </a:t>
+            </a:r>
+            <a:r>
+              <a:rPr lang="en-US" sz="1000" i="1" dirty="0" smtClean="0"/>
+              <a:t>et al.</a:t>
+            </a:r>
+            <a:r>
+              <a:rPr lang="en-US" sz="1000" b="1" dirty="0" smtClean="0"/>
+              <a:t> </a:t>
+            </a:r>
+            <a:r>
+              <a:rPr lang="en-US" sz="1000" dirty="0" smtClean="0"/>
+              <a:t>2012. Derivation of HLA types from shotgun sequence datasets. </a:t>
+            </a:r>
+            <a:r>
+              <a:rPr lang="en-US" sz="1000" i="1" dirty="0" smtClean="0"/>
+              <a:t>Genome Med.</a:t>
+            </a:r>
+            <a:r>
+              <a:rPr lang="en-US" sz="1000" dirty="0" smtClean="0"/>
+              <a:t> 4:95</a:t>
+            </a:r>
+          </a:p>
+          <a:p>
+            <a:r>
+              <a:rPr lang="en-US" sz="600" dirty="0" smtClean="0"/>
+              <a:t> </a:t>
+            </a:r>
+          </a:p>
+          <a:p>
+            <a:r>
+              <a:rPr lang="en-US" sz="1000" dirty="0" err="1" smtClean="0"/>
+              <a:t>Castellarin</a:t>
+            </a:r>
+            <a:r>
+              <a:rPr lang="en-US" sz="1000" dirty="0" smtClean="0"/>
+              <a:t> M*,</a:t>
+            </a:r>
+            <a:r>
+              <a:rPr lang="en-US" sz="1000" b="1" dirty="0" smtClean="0"/>
+              <a:t> Warren RL*</a:t>
+            </a:r>
+            <a:r>
+              <a:rPr lang="en-US" sz="1000" dirty="0" smtClean="0"/>
+              <a:t>, </a:t>
+            </a:r>
+            <a:r>
+              <a:rPr lang="en-US" sz="1000" i="1" dirty="0" smtClean="0"/>
+              <a:t>et al.</a:t>
+            </a:r>
+            <a:r>
+              <a:rPr lang="en-US" sz="1000" dirty="0" smtClean="0"/>
+              <a:t> 2012. </a:t>
+            </a:r>
+            <a:r>
+              <a:rPr lang="en-US" sz="1000" i="1" dirty="0" err="1" smtClean="0"/>
+              <a:t>Fusobacterium</a:t>
+            </a:r>
+            <a:r>
+              <a:rPr lang="en-US" sz="1000" dirty="0" smtClean="0"/>
+              <a:t> in colorectal carcinoma. </a:t>
+            </a:r>
+            <a:r>
+              <a:rPr lang="en-US" sz="1000" i="1" dirty="0" smtClean="0"/>
+              <a:t>Genome Res</a:t>
+            </a:r>
+            <a:r>
+              <a:rPr lang="en-US" sz="1000" dirty="0" smtClean="0"/>
+              <a:t>. 22:299 </a:t>
+            </a:r>
+          </a:p>
+          <a:p>
+            <a:r>
+              <a:rPr lang="en-US" sz="600" b="1" dirty="0" smtClean="0"/>
+              <a:t> </a:t>
+            </a:r>
+            <a:endParaRPr lang="en-US" sz="600" dirty="0" smtClean="0"/>
+          </a:p>
+          <a:p>
+            <a:r>
+              <a:rPr lang="en-US" sz="1000" b="1" dirty="0" smtClean="0"/>
+              <a:t>Warren RL</a:t>
+            </a:r>
+            <a:r>
+              <a:rPr lang="en-US" sz="1000" dirty="0" smtClean="0"/>
+              <a:t>, </a:t>
+            </a:r>
+            <a:r>
+              <a:rPr lang="en-US" sz="1000" i="1" dirty="0" smtClean="0"/>
+              <a:t>et al.</a:t>
+            </a:r>
+            <a:r>
+              <a:rPr lang="en-US" sz="1000" dirty="0" smtClean="0"/>
+              <a:t> 2007. Assembling millions of short DNA sequences using SSAKE. </a:t>
+            </a:r>
+            <a:r>
+              <a:rPr lang="en-US" sz="1000" i="1" dirty="0" err="1" smtClean="0"/>
+              <a:t>Bioinfo</a:t>
+            </a:r>
+            <a:r>
+              <a:rPr lang="en-US" sz="1000" i="1" dirty="0" smtClean="0"/>
+              <a:t>.</a:t>
+            </a:r>
+            <a:r>
+              <a:rPr lang="en-US" sz="1000" dirty="0" smtClean="0"/>
+              <a:t> 23:500</a:t>
+            </a:r>
+          </a:p>
+          <a:p>
+            <a:pPr algn="r"/>
+            <a:r>
+              <a:rPr lang="fr-FR" sz="1000" dirty="0" smtClean="0"/>
+              <a:t> </a:t>
+            </a:r>
+            <a:endParaRPr lang="en-US" sz="1000" dirty="0"/>
           </a:p>
         </p:txBody>
       </p:sp>

--- a/cv/CV_RWARREN_PPT2.pptx
+++ b/cv/CV_RWARREN_PPT2.pptx
@@ -3860,15 +3860,7 @@
             <a:pPr algn="r"/>
             <a:r>
               <a:rPr lang="en-US" sz="1100" i="1" dirty="0" smtClean="0"/>
-              <a:t>Selected from 61 </a:t>
-            </a:r>
-            <a:r>
-              <a:rPr lang="en-US" sz="1100" i="1" dirty="0" smtClean="0"/>
-              <a:t>peer-reviewed [23 </a:t>
-            </a:r>
-            <a:r>
-              <a:rPr lang="en-US" sz="1100" i="1" dirty="0" smtClean="0"/>
-              <a:t>lead author]</a:t>
+              <a:t>Selected from 61 peer-reviewed [23 lead author]</a:t>
             </a:r>
             <a:r>
               <a:rPr lang="fr-FR" sz="1000" dirty="0" smtClean="0"/>
@@ -4399,15 +4391,7 @@
                   <a:srgbClr val="FFFFFF"/>
                 </a:solidFill>
               </a:rPr>
-              <a:t>                   </a:t>
-            </a:r>
-            <a:r>
-              <a:rPr lang="en-US" dirty="0" smtClean="0">
-                <a:solidFill>
-                  <a:srgbClr val="FFFFFF"/>
-                </a:solidFill>
-              </a:rPr>
-              <a:t>Seeking </a:t>
+              <a:t>                   Seeking </a:t>
             </a:r>
             <a:r>
               <a:rPr lang="en-US" dirty="0">
@@ -5151,11 +5135,7 @@
           <a:p>
             <a:r>
               <a:rPr lang="en-US" sz="1000" b="1" dirty="0" smtClean="0"/>
-              <a:t>Warren </a:t>
-            </a:r>
-            <a:r>
-              <a:rPr lang="en-US" sz="1000" b="1" dirty="0" smtClean="0"/>
-              <a:t>RL</a:t>
+              <a:t>Warren RL</a:t>
             </a:r>
             <a:r>
               <a:rPr lang="en-US" sz="1000" dirty="0" smtClean="0"/>
@@ -5237,7 +5217,7 @@
             </a:r>
             <a:r>
               <a:rPr lang="en-US" sz="1000" i="1" dirty="0" smtClean="0"/>
-              <a:t> </a:t>
+              <a:t>. </a:t>
             </a:r>
             <a:r>
               <a:rPr lang="en-US" sz="1000" dirty="0" smtClean="0"/>
@@ -5321,8 +5301,24 @@
               <a:t>Fusobacterium</a:t>
             </a:r>
             <a:r>
+              <a:rPr lang="en-US" sz="1000" i="1" dirty="0" smtClean="0"/>
+              <a:t> </a:t>
+            </a:r>
+            <a:r>
               <a:rPr lang="en-US" sz="1000" dirty="0" smtClean="0"/>
-              <a:t> in colorectal carcinoma. </a:t>
+              <a:t>infection [</a:t>
+            </a:r>
+            <a:r>
+              <a:rPr lang="is-IS" sz="1000" dirty="0" smtClean="0"/>
+              <a:t>…]</a:t>
+            </a:r>
+            <a:r>
+              <a:rPr lang="en-US" sz="1000" dirty="0" smtClean="0"/>
+              <a:t> </a:t>
+            </a:r>
+            <a:r>
+              <a:rPr lang="en-US" sz="1000" dirty="0" smtClean="0"/>
+              <a:t>in colorectal carcinoma. </a:t>
             </a:r>
             <a:r>
               <a:rPr lang="en-US" sz="1000" i="1" dirty="0" smtClean="0"/>
@@ -5358,16 +5354,16 @@
               <a:t> 2007. Assembling millions of short DNA sequences using SSAKE. </a:t>
             </a:r>
             <a:r>
-              <a:rPr lang="en-US" sz="1000" i="1" dirty="0" err="1" smtClean="0"/>
-              <a:t>Bioinfo</a:t>
-            </a:r>
-            <a:r>
               <a:rPr lang="en-US" sz="1000" i="1" dirty="0" smtClean="0"/>
-              <a:t>.</a:t>
+              <a:t>Bioinformatics.</a:t>
             </a:r>
             <a:r>
               <a:rPr lang="en-US" sz="1000" dirty="0" smtClean="0"/>
-              <a:t> 23:500</a:t>
+              <a:t> </a:t>
+            </a:r>
+            <a:r>
+              <a:rPr lang="en-US" sz="1000" dirty="0" smtClean="0"/>
+              <a:t>23:500</a:t>
             </a:r>
           </a:p>
           <a:p>

--- a/cv/CV_RWARREN_PPT2.pptx
+++ b/cv/CV_RWARREN_PPT2.pptx
@@ -288,7 +288,7 @@
           <a:p>
             <a:fld id="{12CDA68D-1A1F-6346-A281-652CBF222AD7}" type="datetimeFigureOut">
               <a:rPr lang="en-US" smtClean="0"/>
-              <a:t>19-05-30</a:t>
+              <a:t>19-06-03</a:t>
             </a:fld>
             <a:endParaRPr lang="en-US"/>
           </a:p>
@@ -458,7 +458,7 @@
           <a:p>
             <a:fld id="{12CDA68D-1A1F-6346-A281-652CBF222AD7}" type="datetimeFigureOut">
               <a:rPr lang="en-US" smtClean="0"/>
-              <a:t>19-05-30</a:t>
+              <a:t>19-06-03</a:t>
             </a:fld>
             <a:endParaRPr lang="en-US"/>
           </a:p>
@@ -638,7 +638,7 @@
           <a:p>
             <a:fld id="{12CDA68D-1A1F-6346-A281-652CBF222AD7}" type="datetimeFigureOut">
               <a:rPr lang="en-US" smtClean="0"/>
-              <a:t>19-05-30</a:t>
+              <a:t>19-06-03</a:t>
             </a:fld>
             <a:endParaRPr lang="en-US"/>
           </a:p>
@@ -808,7 +808,7 @@
           <a:p>
             <a:fld id="{12CDA68D-1A1F-6346-A281-652CBF222AD7}" type="datetimeFigureOut">
               <a:rPr lang="en-US" smtClean="0"/>
-              <a:t>19-05-30</a:t>
+              <a:t>19-06-03</a:t>
             </a:fld>
             <a:endParaRPr lang="en-US"/>
           </a:p>
@@ -1054,7 +1054,7 @@
           <a:p>
             <a:fld id="{12CDA68D-1A1F-6346-A281-652CBF222AD7}" type="datetimeFigureOut">
               <a:rPr lang="en-US" smtClean="0"/>
-              <a:t>19-05-30</a:t>
+              <a:t>19-06-03</a:t>
             </a:fld>
             <a:endParaRPr lang="en-US"/>
           </a:p>
@@ -1342,7 +1342,7 @@
           <a:p>
             <a:fld id="{12CDA68D-1A1F-6346-A281-652CBF222AD7}" type="datetimeFigureOut">
               <a:rPr lang="en-US" smtClean="0"/>
-              <a:t>19-05-30</a:t>
+              <a:t>19-06-03</a:t>
             </a:fld>
             <a:endParaRPr lang="en-US"/>
           </a:p>
@@ -1769,7 +1769,7 @@
           <a:p>
             <a:fld id="{12CDA68D-1A1F-6346-A281-652CBF222AD7}" type="datetimeFigureOut">
               <a:rPr lang="en-US" smtClean="0"/>
-              <a:t>19-05-30</a:t>
+              <a:t>19-06-03</a:t>
             </a:fld>
             <a:endParaRPr lang="en-US"/>
           </a:p>
@@ -1887,7 +1887,7 @@
           <a:p>
             <a:fld id="{12CDA68D-1A1F-6346-A281-652CBF222AD7}" type="datetimeFigureOut">
               <a:rPr lang="en-US" smtClean="0"/>
-              <a:t>19-05-30</a:t>
+              <a:t>19-06-03</a:t>
             </a:fld>
             <a:endParaRPr lang="en-US"/>
           </a:p>
@@ -1982,7 +1982,7 @@
           <a:p>
             <a:fld id="{12CDA68D-1A1F-6346-A281-652CBF222AD7}" type="datetimeFigureOut">
               <a:rPr lang="en-US" smtClean="0"/>
-              <a:t>19-05-30</a:t>
+              <a:t>19-06-03</a:t>
             </a:fld>
             <a:endParaRPr lang="en-US"/>
           </a:p>
@@ -2259,7 +2259,7 @@
           <a:p>
             <a:fld id="{12CDA68D-1A1F-6346-A281-652CBF222AD7}" type="datetimeFigureOut">
               <a:rPr lang="en-US" smtClean="0"/>
-              <a:t>19-05-30</a:t>
+              <a:t>19-06-03</a:t>
             </a:fld>
             <a:endParaRPr lang="en-US"/>
           </a:p>
@@ -2512,7 +2512,7 @@
           <a:p>
             <a:fld id="{12CDA68D-1A1F-6346-A281-652CBF222AD7}" type="datetimeFigureOut">
               <a:rPr lang="en-US" smtClean="0"/>
-              <a:t>19-05-30</a:t>
+              <a:t>19-06-03</a:t>
             </a:fld>
             <a:endParaRPr lang="en-US"/>
           </a:p>
@@ -2725,7 +2725,7 @@
           <a:p>
             <a:fld id="{12CDA68D-1A1F-6346-A281-652CBF222AD7}" type="datetimeFigureOut">
               <a:rPr lang="en-US" smtClean="0"/>
-              <a:t>19-05-30</a:t>
+              <a:t>19-06-03</a:t>
             </a:fld>
             <a:endParaRPr lang="en-US"/>
           </a:p>
@@ -4497,7 +4497,7 @@
         </p:nvSpPr>
         <p:spPr>
           <a:xfrm rot="16200000">
-            <a:off x="2851972" y="3427495"/>
+            <a:off x="2851972" y="3399585"/>
             <a:ext cx="1013544" cy="276999"/>
           </a:xfrm>
           <a:prstGeom prst="rect">
@@ -4563,8 +4563,8 @@
         </p:nvSpPr>
         <p:spPr>
           <a:xfrm rot="16200000">
-            <a:off x="2930868" y="4612324"/>
-            <a:ext cx="855748" cy="276999"/>
+            <a:off x="3008864" y="4682099"/>
+            <a:ext cx="699756" cy="276999"/>
           </a:xfrm>
           <a:prstGeom prst="rect">
             <a:avLst/>
@@ -4579,7 +4579,11 @@
           <a:p>
             <a:r>
               <a:rPr lang="en-US" sz="1200" b="1" dirty="0" smtClean="0"/>
-              <a:t>2002-2017</a:t>
+              <a:t>2002</a:t>
+            </a:r>
+            <a:r>
+              <a:rPr lang="en-US" sz="1200" b="1" dirty="0" smtClean="0"/>
+              <a:t>-17</a:t>
             </a:r>
             <a:endParaRPr lang="en-US" sz="1200" b="1" dirty="0"/>
           </a:p>
@@ -4827,8 +4831,8 @@
         </p:nvSpPr>
         <p:spPr>
           <a:xfrm rot="16200000">
-            <a:off x="2930868" y="5742924"/>
-            <a:ext cx="855748" cy="276999"/>
+            <a:off x="3008864" y="5812699"/>
+            <a:ext cx="699756" cy="276999"/>
           </a:xfrm>
           <a:prstGeom prst="rect">
             <a:avLst/>
@@ -4843,7 +4847,11 @@
           <a:p>
             <a:r>
               <a:rPr lang="en-US" sz="1200" b="1" dirty="0" smtClean="0"/>
-              <a:t>2000-2001</a:t>
+              <a:t>2000</a:t>
+            </a:r>
+            <a:r>
+              <a:rPr lang="en-US" sz="1200" b="1" dirty="0" smtClean="0"/>
+              <a:t>-01</a:t>
             </a:r>
             <a:endParaRPr lang="en-US" sz="1200" b="1" dirty="0"/>
           </a:p>
@@ -4906,7 +4914,7 @@
         </p:nvSpPr>
         <p:spPr>
           <a:xfrm>
-            <a:off x="-46692" y="8603615"/>
+            <a:off x="-46692" y="8589660"/>
             <a:ext cx="7061201" cy="230832"/>
           </a:xfrm>
           <a:prstGeom prst="rect">
@@ -5314,11 +5322,7 @@
             </a:r>
             <a:r>
               <a:rPr lang="en-US" sz="1000" dirty="0" smtClean="0"/>
-              <a:t> </a:t>
-            </a:r>
-            <a:r>
-              <a:rPr lang="en-US" sz="1000" dirty="0" smtClean="0"/>
-              <a:t>in colorectal carcinoma. </a:t>
+              <a:t> in colorectal carcinoma. </a:t>
             </a:r>
             <a:r>
               <a:rPr lang="en-US" sz="1000" i="1" dirty="0" smtClean="0"/>
@@ -5359,11 +5363,7 @@
             </a:r>
             <a:r>
               <a:rPr lang="en-US" sz="1000" dirty="0" smtClean="0"/>
-              <a:t> </a:t>
-            </a:r>
-            <a:r>
-              <a:rPr lang="en-US" sz="1000" dirty="0" smtClean="0"/>
-              <a:t>23:500</a:t>
+              <a:t> 23:500</a:t>
             </a:r>
           </a:p>
           <a:p>

--- a/cv/CV_RWARREN_PPT2.pptx
+++ b/cv/CV_RWARREN_PPT2.pptx
@@ -3810,7 +3810,11 @@
             </a:r>
             <a:r>
               <a:rPr lang="en-US" sz="1100" dirty="0" smtClean="0"/>
-              <a:t>, Santa Fe USA                                  </a:t>
+              <a:t>, Santa Fe </a:t>
+            </a:r>
+            <a:r>
+              <a:rPr lang="en-US" sz="1100" dirty="0" smtClean="0"/>
+              <a:t>                                         </a:t>
             </a:r>
             <a:r>
               <a:rPr lang="en-US" sz="1100" b="1" dirty="0" smtClean="0"/>
@@ -3837,7 +3841,11 @@
             </a:r>
             <a:r>
               <a:rPr lang="en-US" sz="1100" dirty="0" smtClean="0"/>
-              <a:t>, Zürich                        </a:t>
+              <a:t>, Zürich                    </a:t>
+            </a:r>
+            <a:r>
+              <a:rPr lang="en-US" sz="1100" dirty="0" smtClean="0"/>
+              <a:t>   </a:t>
             </a:r>
             <a:r>
               <a:rPr lang="en-US" sz="1100" b="1" dirty="0" smtClean="0"/>
@@ -5174,16 +5182,16 @@
               <a:t>: scalable genome sequence polishing. </a:t>
             </a:r>
             <a:r>
-              <a:rPr lang="en-US" sz="1000" i="1" dirty="0" smtClean="0"/>
+              <a:rPr lang="en-US" sz="1000" i="1" dirty="0"/>
               <a:t>Bioinformatics. </a:t>
             </a:r>
             <a:r>
-              <a:rPr lang="en-US" sz="1000" dirty="0"/>
-              <a:t>b</a:t>
-            </a:r>
-            <a:r>
-              <a:rPr lang="en-US" sz="1000" dirty="0" smtClean="0"/>
-              <a:t>tz400</a:t>
+              <a:rPr lang="en-US" sz="1000" i="1" dirty="0" err="1"/>
+              <a:t>doi</a:t>
+            </a:r>
+            <a:r>
+              <a:rPr lang="en-US" sz="1000" i="1" dirty="0"/>
+              <a:t>: 10.1093/bioinformatics/btz400</a:t>
             </a:r>
             <a:endParaRPr lang="en-US" sz="1000" dirty="0"/>
           </a:p>
